--- a/lectures/11-npc-collision.pptx
+++ b/lectures/11-npc-collision.pptx
@@ -225,7 +225,7 @@
           <a:p>
             <a:fld id="{2B565E5C-099F-DB4B-B3D4-39EF91E5F10D}" type="datetimeFigureOut">
               <a:rPr lang="en-US" smtClean="0"/>
-              <a:t>2/19/20</a:t>
+              <a:t>4/9/20</a:t>
             </a:fld>
             <a:endParaRPr lang="en-US"/>
           </a:p>
@@ -4474,7 +4474,7 @@
           <a:p>
             <a:fld id="{F8166F1F-CE9B-4651-A6AA-CD717754106B}" type="datetimeFigureOut">
               <a:rPr lang="en-US" smtClean="0"/>
-              <a:t>2/19/20</a:t>
+              <a:t>4/9/20</a:t>
             </a:fld>
             <a:endParaRPr lang="en-US"/>
           </a:p>
@@ -4639,7 +4639,7 @@
           <a:p>
             <a:fld id="{A76116CE-C4A3-4A05-B2D7-7C2E9A889C0F}" type="datetimeFigureOut">
               <a:rPr lang="en-US" smtClean="0"/>
-              <a:t>2/19/20</a:t>
+              <a:t>4/9/20</a:t>
             </a:fld>
             <a:endParaRPr lang="en-US"/>
           </a:p>
@@ -4814,7 +4814,7 @@
           <a:p>
             <a:fld id="{A76116CE-C4A3-4A05-B2D7-7C2E9A889C0F}" type="datetimeFigureOut">
               <a:rPr lang="en-US" smtClean="0"/>
-              <a:t>2/19/20</a:t>
+              <a:t>4/9/20</a:t>
             </a:fld>
             <a:endParaRPr lang="en-US"/>
           </a:p>
@@ -4981,7 +4981,7 @@
           <a:p>
             <a:fld id="{A76116CE-C4A3-4A05-B2D7-7C2E9A889C0F}" type="datetimeFigureOut">
               <a:rPr lang="en-US" smtClean="0"/>
-              <a:t>2/19/20</a:t>
+              <a:t>4/9/20</a:t>
             </a:fld>
             <a:endParaRPr lang="en-US"/>
           </a:p>
@@ -5222,7 +5222,7 @@
           <a:p>
             <a:fld id="{A76116CE-C4A3-4A05-B2D7-7C2E9A889C0F}" type="datetimeFigureOut">
               <a:rPr lang="en-US" smtClean="0"/>
-              <a:t>2/19/20</a:t>
+              <a:t>4/9/20</a:t>
             </a:fld>
             <a:endParaRPr lang="en-US"/>
           </a:p>
@@ -5505,7 +5505,7 @@
           <a:p>
             <a:fld id="{A76116CE-C4A3-4A05-B2D7-7C2E9A889C0F}" type="datetimeFigureOut">
               <a:rPr lang="en-US" smtClean="0"/>
-              <a:t>2/19/20</a:t>
+              <a:t>4/9/20</a:t>
             </a:fld>
             <a:endParaRPr lang="en-US"/>
           </a:p>
@@ -5922,7 +5922,7 @@
           <a:p>
             <a:fld id="{A76116CE-C4A3-4A05-B2D7-7C2E9A889C0F}" type="datetimeFigureOut">
               <a:rPr lang="en-US" smtClean="0"/>
-              <a:t>2/19/20</a:t>
+              <a:t>4/9/20</a:t>
             </a:fld>
             <a:endParaRPr lang="en-US"/>
           </a:p>
@@ -6035,7 +6035,7 @@
           <a:p>
             <a:fld id="{A76116CE-C4A3-4A05-B2D7-7C2E9A889C0F}" type="datetimeFigureOut">
               <a:rPr lang="en-US" smtClean="0"/>
-              <a:t>2/19/20</a:t>
+              <a:t>4/9/20</a:t>
             </a:fld>
             <a:endParaRPr lang="en-US"/>
           </a:p>
@@ -6125,7 +6125,7 @@
           <a:p>
             <a:fld id="{A76116CE-C4A3-4A05-B2D7-7C2E9A889C0F}" type="datetimeFigureOut">
               <a:rPr lang="en-US" smtClean="0"/>
-              <a:t>2/19/20</a:t>
+              <a:t>4/9/20</a:t>
             </a:fld>
             <a:endParaRPr lang="en-US"/>
           </a:p>
@@ -6397,7 +6397,7 @@
           <a:p>
             <a:fld id="{A76116CE-C4A3-4A05-B2D7-7C2E9A889C0F}" type="datetimeFigureOut">
               <a:rPr lang="en-US" smtClean="0"/>
-              <a:t>2/19/20</a:t>
+              <a:t>4/9/20</a:t>
             </a:fld>
             <a:endParaRPr lang="en-US"/>
           </a:p>
@@ -6645,7 +6645,7 @@
           <a:p>
             <a:fld id="{A76116CE-C4A3-4A05-B2D7-7C2E9A889C0F}" type="datetimeFigureOut">
               <a:rPr lang="en-US" smtClean="0"/>
-              <a:t>2/19/20</a:t>
+              <a:t>4/9/20</a:t>
             </a:fld>
             <a:endParaRPr lang="en-US"/>
           </a:p>
@@ -6853,7 +6853,7 @@
           <a:p>
             <a:fld id="{F8166F1F-CE9B-4651-A6AA-CD717754106B}" type="datetimeFigureOut">
               <a:rPr lang="en-US" smtClean="0"/>
-              <a:t>2/19/20</a:t>
+              <a:t>4/9/20</a:t>
             </a:fld>
             <a:endParaRPr lang="en-US"/>
           </a:p>
@@ -7271,15 +7271,7 @@
             <a:pPr algn="ctr"/>
             <a:r>
               <a:rPr lang="en-US" sz="3000" b="1" dirty="0" smtClean="0"/>
-              <a:t>Lecture </a:t>
-            </a:r>
-            <a:r>
-              <a:rPr lang="en-US" sz="3000" b="1" dirty="0" smtClean="0"/>
-              <a:t>11</a:t>
-            </a:r>
-            <a:r>
-              <a:rPr lang="en-US" sz="3000" b="1" dirty="0" smtClean="0"/>
-              <a:t>: NPC Collision</a:t>
+              <a:t>Lecture 11: NPC Collision</a:t>
             </a:r>
             <a:endParaRPr lang="en-US" sz="3000" b="1" dirty="0"/>
           </a:p>
@@ -7348,8 +7340,16 @@
           <a:p>
             <a:pPr algn="ctr"/>
             <a:r>
-              <a:rPr lang="en-US" sz="3000" b="1" smtClean="0"/>
-              <a:t>Wednesday, 1 April</a:t>
+              <a:rPr lang="en-US" sz="3000" b="1" dirty="0" smtClean="0"/>
+              <a:t>Wednesday, </a:t>
+            </a:r>
+            <a:r>
+              <a:rPr lang="en-US" sz="3000" b="1" dirty="0" smtClean="0"/>
+              <a:t>15 </a:t>
+            </a:r>
+            <a:r>
+              <a:rPr lang="en-US" sz="3000" b="1" dirty="0" smtClean="0"/>
+              <a:t>April</a:t>
             </a:r>
             <a:endParaRPr lang="en-US" sz="3000" b="1" dirty="0"/>
           </a:p>

--- a/lectures/11-npc-collision.pptx
+++ b/lectures/11-npc-collision.pptx
@@ -225,7 +225,7 @@
           <a:p>
             <a:fld id="{2B565E5C-099F-DB4B-B3D4-39EF91E5F10D}" type="datetimeFigureOut">
               <a:rPr lang="en-US" smtClean="0"/>
-              <a:t>4/9/20</a:t>
+              <a:t>4/15/20</a:t>
             </a:fld>
             <a:endParaRPr lang="en-US"/>
           </a:p>
@@ -541,24 +541,6 @@
               <a:buFont typeface="Arial" charset="0"/>
               <a:buChar char="•"/>
             </a:pPr>
-            <a:r>
-              <a:rPr lang="en-US" sz="1200" kern="1200" dirty="0" smtClean="0">
-                <a:solidFill>
-                  <a:schemeClr val="tx1"/>
-                </a:solidFill>
-                <a:effectLst/>
-                <a:latin typeface="+mn-lt"/>
-                <a:ea typeface="+mn-ea"/>
-                <a:cs typeface="+mn-cs"/>
-              </a:rPr>
-              <a:t>We use different techniques for these two kinds</a:t>
-            </a:r>
-          </a:p>
-          <a:p>
-            <a:pPr marL="171450" indent="-171450">
-              <a:buFont typeface="Arial" charset="0"/>
-              <a:buChar char="•"/>
-            </a:pPr>
             <a:endParaRPr lang="en-US" sz="1200" kern="1200" dirty="0" smtClean="0">
               <a:solidFill>
                 <a:schemeClr val="tx1"/>
@@ -568,90 +550,6 @@
               <a:ea typeface="+mn-ea"/>
               <a:cs typeface="+mn-cs"/>
             </a:endParaRPr>
-          </a:p>
-          <a:p>
-            <a:pPr marL="171450" indent="-171450">
-              <a:buFont typeface="Arial" charset="0"/>
-              <a:buChar char="•"/>
-            </a:pPr>
-            <a:r>
-              <a:rPr lang="en-US" sz="1200" kern="1200" dirty="0" smtClean="0">
-                <a:solidFill>
-                  <a:schemeClr val="tx1"/>
-                </a:solidFill>
-                <a:effectLst/>
-                <a:latin typeface="+mn-lt"/>
-                <a:ea typeface="+mn-ea"/>
-                <a:cs typeface="+mn-cs"/>
-              </a:rPr>
-              <a:t>For the first, we need to compare the locations of the two sprites, and how we define ‘location’ we will see is important</a:t>
-            </a:r>
-          </a:p>
-          <a:p>
-            <a:pPr marL="171450" indent="-171450">
-              <a:buFont typeface="Arial" charset="0"/>
-              <a:buChar char="•"/>
-            </a:pPr>
-            <a:endParaRPr lang="en-US" sz="1200" kern="1200" dirty="0" smtClean="0">
-              <a:solidFill>
-                <a:schemeClr val="tx1"/>
-              </a:solidFill>
-              <a:effectLst/>
-              <a:latin typeface="+mn-lt"/>
-              <a:ea typeface="+mn-ea"/>
-              <a:cs typeface="+mn-cs"/>
-            </a:endParaRPr>
-          </a:p>
-          <a:p>
-            <a:pPr marL="171450" indent="-171450">
-              <a:buFont typeface="Arial" charset="0"/>
-              <a:buChar char="•"/>
-            </a:pPr>
-            <a:r>
-              <a:rPr lang="en-US" sz="1200" kern="1200" dirty="0" smtClean="0">
-                <a:solidFill>
-                  <a:schemeClr val="tx1"/>
-                </a:solidFill>
-                <a:effectLst/>
-                <a:latin typeface="+mn-lt"/>
-                <a:ea typeface="+mn-ea"/>
-                <a:cs typeface="+mn-cs"/>
-              </a:rPr>
-              <a:t>For the second, we need to add properties to our tiles to indicate that they represent solid objects</a:t>
-            </a:r>
-          </a:p>
-          <a:p>
-            <a:pPr marL="171450" indent="-171450">
-              <a:buFont typeface="Arial" charset="0"/>
-              <a:buChar char="•"/>
-            </a:pPr>
-            <a:endParaRPr lang="en-US" sz="1200" kern="1200" dirty="0" smtClean="0">
-              <a:solidFill>
-                <a:schemeClr val="tx1"/>
-              </a:solidFill>
-              <a:effectLst/>
-              <a:latin typeface="+mn-lt"/>
-              <a:ea typeface="+mn-ea"/>
-              <a:cs typeface="+mn-cs"/>
-            </a:endParaRPr>
-          </a:p>
-          <a:p>
-            <a:pPr marL="171450" indent="-171450">
-              <a:buFont typeface="Arial" charset="0"/>
-              <a:buChar char="•"/>
-            </a:pPr>
-            <a:r>
-              <a:rPr lang="en-US" sz="1200" kern="1200" dirty="0" smtClean="0">
-                <a:solidFill>
-                  <a:schemeClr val="tx1"/>
-                </a:solidFill>
-                <a:effectLst/>
-                <a:latin typeface="+mn-lt"/>
-                <a:ea typeface="+mn-ea"/>
-                <a:cs typeface="+mn-cs"/>
-              </a:rPr>
-              <a:t>We’ll do this next time</a:t>
-            </a:r>
           </a:p>
         </p:txBody>
       </p:sp>
@@ -739,147 +637,6 @@
               <a:buFont typeface="Arial" charset="0"/>
               <a:buChar char="•"/>
             </a:pPr>
-            <a:r>
-              <a:rPr lang="en-NZ" sz="1200" kern="1200" dirty="0" smtClean="0">
-                <a:solidFill>
-                  <a:schemeClr val="tx1"/>
-                </a:solidFill>
-                <a:effectLst/>
-                <a:latin typeface="+mn-lt"/>
-                <a:ea typeface="+mn-ea"/>
-                <a:cs typeface="+mn-cs"/>
-              </a:rPr>
-              <a:t>Only need to determine if the rectangles overlap</a:t>
-            </a:r>
-          </a:p>
-          <a:p>
-            <a:pPr marL="171450" indent="-171450">
-              <a:buFont typeface="Arial" charset="0"/>
-              <a:buChar char="•"/>
-            </a:pPr>
-            <a:endParaRPr lang="en-NZ" sz="1200" kern="1200" dirty="0" smtClean="0">
-              <a:solidFill>
-                <a:schemeClr val="tx1"/>
-              </a:solidFill>
-              <a:effectLst/>
-              <a:latin typeface="+mn-lt"/>
-              <a:ea typeface="+mn-ea"/>
-              <a:cs typeface="+mn-cs"/>
-            </a:endParaRPr>
-          </a:p>
-          <a:p>
-            <a:pPr marL="171450" indent="-171450">
-              <a:buFont typeface="Arial" charset="0"/>
-              <a:buChar char="•"/>
-            </a:pPr>
-            <a:r>
-              <a:rPr lang="en-NZ" sz="1200" kern="1200" dirty="0" smtClean="0">
-                <a:solidFill>
-                  <a:schemeClr val="tx1"/>
-                </a:solidFill>
-                <a:effectLst/>
-                <a:latin typeface="+mn-lt"/>
-                <a:ea typeface="+mn-ea"/>
-                <a:cs typeface="+mn-cs"/>
-              </a:rPr>
-              <a:t>This situation will return true</a:t>
-            </a:r>
-          </a:p>
-          <a:p>
-            <a:pPr marL="171450" indent="-171450">
-              <a:buFont typeface="Arial" charset="0"/>
-              <a:buChar char="•"/>
-            </a:pPr>
-            <a:endParaRPr lang="en-NZ" sz="1200" kern="1200" dirty="0" smtClean="0">
-              <a:solidFill>
-                <a:schemeClr val="tx1"/>
-              </a:solidFill>
-              <a:effectLst/>
-              <a:latin typeface="+mn-lt"/>
-              <a:ea typeface="+mn-ea"/>
-              <a:cs typeface="+mn-cs"/>
-            </a:endParaRPr>
-          </a:p>
-          <a:p>
-            <a:pPr marL="171450" indent="-171450">
-              <a:buFont typeface="Arial" charset="0"/>
-              <a:buChar char="•"/>
-            </a:pPr>
-            <a:r>
-              <a:rPr lang="en-NZ" sz="1200" kern="1200" dirty="0" smtClean="0">
-                <a:solidFill>
-                  <a:schemeClr val="tx1"/>
-                </a:solidFill>
-                <a:effectLst/>
-                <a:latin typeface="+mn-lt"/>
-                <a:ea typeface="+mn-ea"/>
-                <a:cs typeface="+mn-cs"/>
-              </a:rPr>
-              <a:t>The monster on the left will be annoyed</a:t>
-            </a:r>
-          </a:p>
-          <a:p>
-            <a:pPr marL="171450" indent="-171450">
-              <a:buFont typeface="Arial" charset="0"/>
-              <a:buChar char="•"/>
-            </a:pPr>
-            <a:endParaRPr lang="en-NZ" sz="1200" kern="1200" dirty="0" smtClean="0">
-              <a:solidFill>
-                <a:schemeClr val="tx1"/>
-              </a:solidFill>
-              <a:effectLst/>
-              <a:latin typeface="+mn-lt"/>
-              <a:ea typeface="+mn-ea"/>
-              <a:cs typeface="+mn-cs"/>
-            </a:endParaRPr>
-          </a:p>
-          <a:p>
-            <a:pPr marL="171450" indent="-171450">
-              <a:buFont typeface="Arial" charset="0"/>
-              <a:buChar char="•"/>
-            </a:pPr>
-            <a:r>
-              <a:rPr lang="en-NZ" sz="1200" kern="1200" dirty="0" smtClean="0">
-                <a:solidFill>
-                  <a:schemeClr val="tx1"/>
-                </a:solidFill>
-                <a:effectLst/>
-                <a:latin typeface="+mn-lt"/>
-                <a:ea typeface="+mn-ea"/>
-                <a:cs typeface="+mn-cs"/>
-              </a:rPr>
-              <a:t>Nonetheless, this is what we will use – but we will use a slightly </a:t>
-            </a:r>
-            <a:r>
-              <a:rPr lang="en-NZ" sz="1200" kern="1200" dirty="0" err="1" smtClean="0">
-                <a:solidFill>
-                  <a:schemeClr val="tx1"/>
-                </a:solidFill>
-                <a:effectLst/>
-                <a:latin typeface="+mn-lt"/>
-                <a:ea typeface="+mn-ea"/>
-                <a:cs typeface="+mn-cs"/>
-              </a:rPr>
-              <a:t>souped</a:t>
-            </a:r>
-            <a:r>
-              <a:rPr lang="en-NZ" sz="1200" kern="1200" dirty="0" smtClean="0">
-                <a:solidFill>
-                  <a:schemeClr val="tx1"/>
-                </a:solidFill>
-                <a:effectLst/>
-                <a:latin typeface="+mn-lt"/>
-                <a:ea typeface="+mn-ea"/>
-                <a:cs typeface="+mn-cs"/>
-              </a:rPr>
-              <a:t> up version, as we will see in a few minutes</a:t>
-            </a:r>
-          </a:p>
-          <a:p>
-            <a:pPr marL="171450" indent="-171450">
-              <a:buFont typeface="Arial" charset="0"/>
-              <a:buChar char="•"/>
-            </a:pPr>
             <a:endParaRPr lang="en-US" sz="1200" kern="1200" dirty="0" smtClean="0">
               <a:solidFill>
                 <a:schemeClr val="tx1"/>
@@ -976,189 +733,6 @@
               <a:buFont typeface="Arial" charset="0"/>
               <a:buChar char="•"/>
             </a:pPr>
-            <a:r>
-              <a:rPr lang="en-NZ" sz="1200" kern="1200" dirty="0" smtClean="0">
-                <a:solidFill>
-                  <a:schemeClr val="tx1"/>
-                </a:solidFill>
-                <a:effectLst/>
-                <a:latin typeface="+mn-lt"/>
-                <a:ea typeface="+mn-ea"/>
-                <a:cs typeface="+mn-cs"/>
-              </a:rPr>
-              <a:t>Basic approach: Compare edges (demonstrate on board or with much pointing)</a:t>
-            </a:r>
-          </a:p>
-          <a:p>
-            <a:pPr marL="171450" indent="-171450">
-              <a:buFont typeface="Arial" charset="0"/>
-              <a:buChar char="•"/>
-            </a:pPr>
-            <a:endParaRPr lang="en-NZ" sz="1200" kern="1200" dirty="0" smtClean="0">
-              <a:solidFill>
-                <a:schemeClr val="tx1"/>
-              </a:solidFill>
-              <a:effectLst/>
-              <a:latin typeface="+mn-lt"/>
-              <a:ea typeface="+mn-ea"/>
-              <a:cs typeface="+mn-cs"/>
-            </a:endParaRPr>
-          </a:p>
-          <a:p>
-            <a:pPr marL="171450" indent="-171450">
-              <a:buFont typeface="Arial" charset="0"/>
-              <a:buChar char="•"/>
-            </a:pPr>
-            <a:r>
-              <a:rPr lang="en-NZ" sz="1200" kern="1200" dirty="0" smtClean="0">
-                <a:solidFill>
-                  <a:schemeClr val="tx1"/>
-                </a:solidFill>
-                <a:effectLst/>
-                <a:latin typeface="+mn-lt"/>
-                <a:ea typeface="+mn-ea"/>
-                <a:cs typeface="+mn-cs"/>
-              </a:rPr>
-              <a:t>Assume collision, and test the four conditions that would falsify that assumption</a:t>
-            </a:r>
-          </a:p>
-          <a:p>
-            <a:pPr marL="171450" indent="-171450">
-              <a:buFont typeface="Arial" charset="0"/>
-              <a:buChar char="•"/>
-            </a:pPr>
-            <a:endParaRPr lang="en-NZ" sz="1200" kern="1200" dirty="0" smtClean="0">
-              <a:solidFill>
-                <a:schemeClr val="tx1"/>
-              </a:solidFill>
-              <a:effectLst/>
-              <a:latin typeface="+mn-lt"/>
-              <a:ea typeface="+mn-ea"/>
-              <a:cs typeface="+mn-cs"/>
-            </a:endParaRPr>
-          </a:p>
-          <a:p>
-            <a:pPr marL="171450" indent="-171450">
-              <a:buFont typeface="Arial" charset="0"/>
-              <a:buChar char="•"/>
-            </a:pPr>
-            <a:r>
-              <a:rPr lang="en-NZ" sz="1200" kern="1200" dirty="0" smtClean="0">
-                <a:solidFill>
-                  <a:schemeClr val="tx1"/>
-                </a:solidFill>
-                <a:effectLst/>
-                <a:latin typeface="+mn-lt"/>
-                <a:ea typeface="+mn-ea"/>
-                <a:cs typeface="+mn-cs"/>
-              </a:rPr>
-              <a:t>If Sprite1’s Left is &gt; Sprite2’s Right, they can’t have collided, no matter where they are on the y-axis</a:t>
-            </a:r>
-          </a:p>
-          <a:p>
-            <a:pPr marL="171450" indent="-171450">
-              <a:buFont typeface="Arial" charset="0"/>
-              <a:buChar char="•"/>
-            </a:pPr>
-            <a:endParaRPr lang="en-NZ" sz="1200" kern="1200" dirty="0" smtClean="0">
-              <a:solidFill>
-                <a:schemeClr val="tx1"/>
-              </a:solidFill>
-              <a:effectLst/>
-              <a:latin typeface="+mn-lt"/>
-              <a:ea typeface="+mn-ea"/>
-              <a:cs typeface="+mn-cs"/>
-            </a:endParaRPr>
-          </a:p>
-          <a:p>
-            <a:pPr marL="171450" indent="-171450">
-              <a:buFont typeface="Arial" charset="0"/>
-              <a:buChar char="•"/>
-            </a:pPr>
-            <a:r>
-              <a:rPr lang="en-NZ" sz="1200" kern="1200" dirty="0" smtClean="0">
-                <a:solidFill>
-                  <a:schemeClr val="tx1"/>
-                </a:solidFill>
-                <a:effectLst/>
-                <a:latin typeface="+mn-lt"/>
-                <a:ea typeface="+mn-ea"/>
-                <a:cs typeface="+mn-cs"/>
-              </a:rPr>
-              <a:t>Similarly, if Sprite1’s Bottom is higher than Sprite2’s Top, they can’t have collided</a:t>
-            </a:r>
-          </a:p>
-          <a:p>
-            <a:pPr marL="171450" indent="-171450">
-              <a:buFont typeface="Arial" charset="0"/>
-              <a:buChar char="•"/>
-            </a:pPr>
-            <a:endParaRPr lang="en-NZ" sz="1200" kern="1200" dirty="0" smtClean="0">
-              <a:solidFill>
-                <a:schemeClr val="tx1"/>
-              </a:solidFill>
-              <a:effectLst/>
-              <a:latin typeface="+mn-lt"/>
-              <a:ea typeface="+mn-ea"/>
-              <a:cs typeface="+mn-cs"/>
-            </a:endParaRPr>
-          </a:p>
-          <a:p>
-            <a:pPr marL="171450" indent="-171450">
-              <a:buFont typeface="Arial" charset="0"/>
-              <a:buChar char="•"/>
-            </a:pPr>
-            <a:r>
-              <a:rPr lang="en-NZ" sz="1200" kern="1200" dirty="0" smtClean="0">
-                <a:solidFill>
-                  <a:schemeClr val="tx1"/>
-                </a:solidFill>
-                <a:effectLst/>
-                <a:latin typeface="+mn-lt"/>
-                <a:ea typeface="+mn-ea"/>
-                <a:cs typeface="+mn-cs"/>
-              </a:rPr>
-              <a:t>Same switching Sprite1 and Sprite2</a:t>
-            </a:r>
-          </a:p>
-          <a:p>
-            <a:pPr marL="171450" indent="-171450">
-              <a:buFont typeface="Arial" charset="0"/>
-              <a:buChar char="•"/>
-            </a:pPr>
-            <a:endParaRPr lang="en-NZ" sz="1200" kern="1200" dirty="0" smtClean="0">
-              <a:solidFill>
-                <a:schemeClr val="tx1"/>
-              </a:solidFill>
-              <a:effectLst/>
-              <a:latin typeface="+mn-lt"/>
-              <a:ea typeface="+mn-ea"/>
-              <a:cs typeface="+mn-cs"/>
-            </a:endParaRPr>
-          </a:p>
-          <a:p>
-            <a:pPr marL="171450" indent="-171450">
-              <a:buFont typeface="Arial" charset="0"/>
-              <a:buChar char="•"/>
-            </a:pPr>
-            <a:r>
-              <a:rPr lang="en-NZ" sz="1200" kern="1200" dirty="0" smtClean="0">
-                <a:solidFill>
-                  <a:schemeClr val="tx1"/>
-                </a:solidFill>
-                <a:effectLst/>
-                <a:latin typeface="+mn-lt"/>
-                <a:ea typeface="+mn-ea"/>
-                <a:cs typeface="+mn-cs"/>
-              </a:rPr>
-              <a:t>You thus need to make only four comparisons:</a:t>
-            </a:r>
-          </a:p>
-          <a:p>
-            <a:pPr marL="171450" indent="-171450">
-              <a:buFont typeface="Arial" charset="0"/>
-              <a:buChar char="•"/>
-            </a:pPr>
             <a:endParaRPr lang="en-NZ" sz="1200" kern="1200" dirty="0" smtClean="0">
               <a:solidFill>
                 <a:schemeClr val="tx1"/>
@@ -1255,52 +829,6 @@
               <a:buFont typeface="Arial" panose="020B0604020202020204" pitchFamily="34" charset="0"/>
               <a:buChar char="•"/>
             </a:pPr>
-            <a:r>
-              <a:rPr lang="en-NZ" dirty="0" smtClean="0"/>
-              <a:t>This is a common</a:t>
-            </a:r>
-            <a:r>
-              <a:rPr lang="en-NZ" baseline="0" dirty="0" smtClean="0"/>
-              <a:t> Boolean pattern: Start in the more probable state. Check the conditions that falsify it. Return the outcome</a:t>
-            </a:r>
-          </a:p>
-          <a:p>
-            <a:pPr marL="171450" indent="-171450">
-              <a:buFont typeface="Arial" panose="020B0604020202020204" pitchFamily="34" charset="0"/>
-              <a:buChar char="•"/>
-            </a:pPr>
-            <a:endParaRPr lang="en-NZ" dirty="0" smtClean="0"/>
-          </a:p>
-          <a:p>
-            <a:pPr marL="171450" indent="-171450">
-              <a:buFont typeface="Arial" panose="020B0604020202020204" pitchFamily="34" charset="0"/>
-              <a:buChar char="•"/>
-            </a:pPr>
-            <a:r>
-              <a:rPr lang="en-NZ" dirty="0" smtClean="0"/>
-              <a:t>For readable code, get all those bottom edges and right edges into variables before doing the comparisons, don’t do the height and width additions inside the Booleans, it will be too busy</a:t>
-            </a:r>
-          </a:p>
-          <a:p>
-            <a:pPr marL="171450" indent="-171450">
-              <a:buFont typeface="Arial" panose="020B0604020202020204" pitchFamily="34" charset="0"/>
-              <a:buChar char="•"/>
-            </a:pPr>
-            <a:endParaRPr lang="en-NZ" dirty="0" smtClean="0"/>
-          </a:p>
-          <a:p>
-            <a:pPr marL="171450" indent="-171450">
-              <a:buFont typeface="Arial" panose="020B0604020202020204" pitchFamily="34" charset="0"/>
-              <a:buChar char="•"/>
-            </a:pPr>
-            <a:r>
-              <a:rPr lang="en-NZ" b="1" dirty="0" smtClean="0"/>
-              <a:t>Yes, there are built-in</a:t>
-            </a:r>
-            <a:r>
-              <a:rPr lang="en-NZ" b="1" baseline="0" dirty="0" smtClean="0"/>
-              <a:t> methods in .NET you could use, but you should write your own so that you know how if you are ever working in a language that doesn’t have them.</a:t>
-            </a:r>
             <a:endParaRPr lang="en-NZ" b="1" dirty="0"/>
           </a:p>
         </p:txBody>
@@ -1389,24 +917,6 @@
               <a:buFont typeface="Arial" charset="0"/>
               <a:buChar char="•"/>
             </a:pPr>
-            <a:r>
-              <a:rPr lang="en-NZ" sz="1200" kern="1200" dirty="0" smtClean="0">
-                <a:solidFill>
-                  <a:schemeClr val="tx1"/>
-                </a:solidFill>
-                <a:effectLst/>
-                <a:latin typeface="+mn-lt"/>
-                <a:ea typeface="+mn-ea"/>
-                <a:cs typeface="+mn-cs"/>
-              </a:rPr>
-              <a:t>This should be a method of Sprite, since he has the most direct access to his location and dimensions</a:t>
-            </a:r>
-          </a:p>
-          <a:p>
-            <a:pPr marL="171450" indent="-171450">
-              <a:buFont typeface="Arial" charset="0"/>
-              <a:buChar char="•"/>
-            </a:pPr>
             <a:endParaRPr lang="en-NZ" sz="1200" kern="1200" dirty="0" smtClean="0">
               <a:solidFill>
                 <a:schemeClr val="tx1"/>
@@ -1416,57 +926,6 @@
               <a:ea typeface="+mn-ea"/>
               <a:cs typeface="+mn-cs"/>
             </a:endParaRPr>
-          </a:p>
-          <a:p>
-            <a:pPr marL="171450" indent="-171450">
-              <a:buFont typeface="Arial" charset="0"/>
-              <a:buChar char="•"/>
-            </a:pPr>
-            <a:r>
-              <a:rPr lang="en-NZ" sz="1200" kern="1200" dirty="0" smtClean="0">
-                <a:solidFill>
-                  <a:schemeClr val="tx1"/>
-                </a:solidFill>
-                <a:effectLst/>
-                <a:latin typeface="+mn-lt"/>
-                <a:ea typeface="+mn-ea"/>
-                <a:cs typeface="+mn-cs"/>
-              </a:rPr>
-              <a:t>Because there are two sprites involved, you will need to call the method on one instance and pass the other instance in</a:t>
-            </a:r>
-          </a:p>
-          <a:p>
-            <a:pPr marL="171450" indent="-171450">
-              <a:buFont typeface="Arial" charset="0"/>
-              <a:buChar char="•"/>
-            </a:pPr>
-            <a:endParaRPr lang="en-NZ" sz="1200" kern="1200" dirty="0" smtClean="0">
-              <a:solidFill>
-                <a:schemeClr val="tx1"/>
-              </a:solidFill>
-              <a:effectLst/>
-              <a:latin typeface="+mn-lt"/>
-              <a:ea typeface="+mn-ea"/>
-              <a:cs typeface="+mn-cs"/>
-            </a:endParaRPr>
-          </a:p>
-          <a:p>
-            <a:pPr marL="171450" indent="-171450">
-              <a:buFont typeface="Arial" charset="0"/>
-              <a:buChar char="•"/>
-            </a:pPr>
-            <a:r>
-              <a:rPr lang="en-NZ" sz="1200" kern="1200" dirty="0" smtClean="0">
-                <a:solidFill>
-                  <a:schemeClr val="tx1"/>
-                </a:solidFill>
-                <a:effectLst/>
-                <a:latin typeface="+mn-lt"/>
-                <a:ea typeface="+mn-ea"/>
-                <a:cs typeface="+mn-cs"/>
-              </a:rPr>
-              <a:t>Pass your Sprite the other guy and ask him if he and the other guy have collided</a:t>
-            </a:r>
           </a:p>
         </p:txBody>
       </p:sp>
@@ -1554,24 +1013,6 @@
               <a:buFont typeface="Arial" charset="0"/>
               <a:buChar char="•"/>
             </a:pPr>
-            <a:r>
-              <a:rPr lang="en-NZ" sz="1200" kern="1200" dirty="0" smtClean="0">
-                <a:solidFill>
-                  <a:schemeClr val="tx1"/>
-                </a:solidFill>
-                <a:effectLst/>
-                <a:latin typeface="+mn-lt"/>
-                <a:ea typeface="+mn-ea"/>
-                <a:cs typeface="+mn-cs"/>
-              </a:rPr>
-              <a:t>What about when we have a list of sprites to compare?</a:t>
-            </a:r>
-          </a:p>
-          <a:p>
-            <a:pPr marL="171450" indent="-171450">
-              <a:buFont typeface="Arial" charset="0"/>
-              <a:buChar char="•"/>
-            </a:pPr>
             <a:endParaRPr lang="en-NZ" sz="1200" kern="1200" dirty="0" smtClean="0">
               <a:solidFill>
                 <a:schemeClr val="tx1"/>
@@ -1581,177 +1022,6 @@
               <a:ea typeface="+mn-ea"/>
               <a:cs typeface="+mn-cs"/>
             </a:endParaRPr>
-          </a:p>
-          <a:p>
-            <a:pPr marL="171450" indent="-171450">
-              <a:buFont typeface="Arial" charset="0"/>
-              <a:buChar char="•"/>
-            </a:pPr>
-            <a:r>
-              <a:rPr lang="en-NZ" sz="1200" kern="1200" dirty="0" smtClean="0">
-                <a:solidFill>
-                  <a:schemeClr val="tx1"/>
-                </a:solidFill>
-                <a:effectLst/>
-                <a:latin typeface="+mn-lt"/>
-                <a:ea typeface="+mn-ea"/>
-                <a:cs typeface="+mn-cs"/>
-              </a:rPr>
-              <a:t>For example, we might want to compare the player character against all the enemies</a:t>
-            </a:r>
-          </a:p>
-          <a:p>
-            <a:pPr marL="171450" indent="-171450">
-              <a:buFont typeface="Arial" charset="0"/>
-              <a:buChar char="•"/>
-            </a:pPr>
-            <a:endParaRPr lang="en-NZ" sz="1200" kern="1200" dirty="0" smtClean="0">
-              <a:solidFill>
-                <a:schemeClr val="tx1"/>
-              </a:solidFill>
-              <a:effectLst/>
-              <a:latin typeface="+mn-lt"/>
-              <a:ea typeface="+mn-ea"/>
-              <a:cs typeface="+mn-cs"/>
-            </a:endParaRPr>
-          </a:p>
-          <a:p>
-            <a:pPr marL="171450" indent="-171450">
-              <a:buFont typeface="Arial" charset="0"/>
-              <a:buChar char="•"/>
-            </a:pPr>
-            <a:r>
-              <a:rPr lang="en-NZ" sz="1200" kern="1200" dirty="0" smtClean="0">
-                <a:solidFill>
-                  <a:schemeClr val="tx1"/>
-                </a:solidFill>
-                <a:effectLst/>
-                <a:latin typeface="+mn-lt"/>
-                <a:ea typeface="+mn-ea"/>
-                <a:cs typeface="+mn-cs"/>
-              </a:rPr>
-              <a:t>It is easier to pass one guy into the list than to query the list for each element and pass it to the one guy</a:t>
-            </a:r>
-          </a:p>
-          <a:p>
-            <a:pPr marL="171450" indent="-171450">
-              <a:buFont typeface="Arial" charset="0"/>
-              <a:buChar char="•"/>
-            </a:pPr>
-            <a:endParaRPr lang="en-NZ" sz="1200" kern="1200" dirty="0" smtClean="0">
-              <a:solidFill>
-                <a:schemeClr val="tx1"/>
-              </a:solidFill>
-              <a:effectLst/>
-              <a:latin typeface="+mn-lt"/>
-              <a:ea typeface="+mn-ea"/>
-              <a:cs typeface="+mn-cs"/>
-            </a:endParaRPr>
-          </a:p>
-          <a:p>
-            <a:pPr marL="171450" indent="-171450">
-              <a:buFont typeface="Arial" charset="0"/>
-              <a:buChar char="•"/>
-            </a:pPr>
-            <a:r>
-              <a:rPr lang="en-NZ" sz="1200" kern="1200" dirty="0" smtClean="0">
-                <a:solidFill>
-                  <a:schemeClr val="tx1"/>
-                </a:solidFill>
-                <a:effectLst/>
-                <a:latin typeface="+mn-lt"/>
-                <a:ea typeface="+mn-ea"/>
-                <a:cs typeface="+mn-cs"/>
-              </a:rPr>
-              <a:t>Yes, this will not be perfect if there are two simultaneous collisions</a:t>
-            </a:r>
-          </a:p>
-          <a:p>
-            <a:pPr marL="171450" indent="-171450">
-              <a:buFont typeface="Arial" charset="0"/>
-              <a:buChar char="•"/>
-            </a:pPr>
-            <a:endParaRPr lang="en-NZ" sz="1200" kern="1200" dirty="0" smtClean="0">
-              <a:solidFill>
-                <a:schemeClr val="tx1"/>
-              </a:solidFill>
-              <a:effectLst/>
-              <a:latin typeface="+mn-lt"/>
-              <a:ea typeface="+mn-ea"/>
-              <a:cs typeface="+mn-cs"/>
-            </a:endParaRPr>
-          </a:p>
-          <a:p>
-            <a:pPr marL="171450" indent="-171450">
-              <a:buFont typeface="Arial" charset="0"/>
-              <a:buChar char="•"/>
-            </a:pPr>
-            <a:r>
-              <a:rPr lang="en-NZ" sz="1200" kern="1200" dirty="0" smtClean="0">
-                <a:solidFill>
-                  <a:schemeClr val="tx1"/>
-                </a:solidFill>
-                <a:effectLst/>
-                <a:latin typeface="+mn-lt"/>
-                <a:ea typeface="+mn-ea"/>
-                <a:cs typeface="+mn-cs"/>
-              </a:rPr>
-              <a:t>If it’s critical, you could write the code to build and return a linked list of </a:t>
-            </a:r>
-            <a:r>
-              <a:rPr lang="en-NZ" sz="1200" kern="1200" dirty="0" err="1" smtClean="0">
-                <a:solidFill>
-                  <a:schemeClr val="tx1"/>
-                </a:solidFill>
-                <a:effectLst/>
-                <a:latin typeface="+mn-lt"/>
-                <a:ea typeface="+mn-ea"/>
-                <a:cs typeface="+mn-cs"/>
-              </a:rPr>
-              <a:t>collidedWith</a:t>
-            </a:r>
-            <a:endParaRPr lang="en-NZ" sz="1200" kern="1200" dirty="0" smtClean="0">
-              <a:solidFill>
-                <a:schemeClr val="tx1"/>
-              </a:solidFill>
-              <a:effectLst/>
-              <a:latin typeface="+mn-lt"/>
-              <a:ea typeface="+mn-ea"/>
-              <a:cs typeface="+mn-cs"/>
-            </a:endParaRPr>
-          </a:p>
-          <a:p>
-            <a:pPr marL="171450" indent="-171450">
-              <a:buFont typeface="Arial" charset="0"/>
-              <a:buChar char="•"/>
-            </a:pPr>
-            <a:endParaRPr lang="en-NZ" sz="1200" kern="1200" dirty="0" smtClean="0">
-              <a:solidFill>
-                <a:schemeClr val="tx1"/>
-              </a:solidFill>
-              <a:effectLst/>
-              <a:latin typeface="+mn-lt"/>
-              <a:ea typeface="+mn-ea"/>
-              <a:cs typeface="+mn-cs"/>
-            </a:endParaRPr>
-          </a:p>
-          <a:p>
-            <a:pPr marL="171450" indent="-171450">
-              <a:buFont typeface="Arial" charset="0"/>
-              <a:buChar char="•"/>
-            </a:pPr>
-            <a:r>
-              <a:rPr lang="en-NZ" sz="1200" kern="1200" dirty="0" smtClean="0">
-                <a:solidFill>
-                  <a:schemeClr val="tx1"/>
-                </a:solidFill>
-                <a:effectLst/>
-                <a:latin typeface="+mn-lt"/>
-                <a:ea typeface="+mn-ea"/>
-                <a:cs typeface="+mn-cs"/>
-              </a:rPr>
-              <a:t>The approach illustrated here is acceptable for our purposes</a:t>
-            </a:r>
           </a:p>
         </p:txBody>
       </p:sp>
@@ -1839,24 +1109,6 @@
               <a:buFont typeface="Arial" charset="0"/>
               <a:buChar char="•"/>
             </a:pPr>
-            <a:r>
-              <a:rPr lang="en-NZ" sz="1200" kern="1200" dirty="0" smtClean="0">
-                <a:solidFill>
-                  <a:schemeClr val="tx1"/>
-                </a:solidFill>
-                <a:effectLst/>
-                <a:latin typeface="+mn-lt"/>
-                <a:ea typeface="+mn-ea"/>
-                <a:cs typeface="+mn-cs"/>
-              </a:rPr>
-              <a:t>Most sprites have a large rectangular border of transparent pixels</a:t>
-            </a:r>
-          </a:p>
-          <a:p>
-            <a:pPr marL="171450" indent="-171450">
-              <a:buFont typeface="Arial" charset="0"/>
-              <a:buChar char="•"/>
-            </a:pPr>
             <a:endParaRPr lang="en-NZ" sz="1200" kern="1200" dirty="0" smtClean="0">
               <a:solidFill>
                 <a:schemeClr val="tx1"/>
@@ -1866,189 +1118,6 @@
               <a:ea typeface="+mn-ea"/>
               <a:cs typeface="+mn-cs"/>
             </a:endParaRPr>
-          </a:p>
-          <a:p>
-            <a:pPr marL="171450" indent="-171450">
-              <a:buFont typeface="Arial" charset="0"/>
-              <a:buChar char="•"/>
-            </a:pPr>
-            <a:r>
-              <a:rPr lang="en-NZ" sz="1200" kern="1200" dirty="0" smtClean="0">
-                <a:solidFill>
-                  <a:schemeClr val="tx1"/>
-                </a:solidFill>
-                <a:effectLst/>
-                <a:latin typeface="+mn-lt"/>
-                <a:ea typeface="+mn-ea"/>
-                <a:cs typeface="+mn-cs"/>
-              </a:rPr>
-              <a:t>These will cause false alarms in a simple collision detection algorithm</a:t>
-            </a:r>
-          </a:p>
-          <a:p>
-            <a:pPr marL="171450" indent="-171450">
-              <a:buFont typeface="Arial" charset="0"/>
-              <a:buChar char="•"/>
-            </a:pPr>
-            <a:endParaRPr lang="en-NZ" sz="1200" kern="1200" dirty="0" smtClean="0">
-              <a:solidFill>
-                <a:schemeClr val="tx1"/>
-              </a:solidFill>
-              <a:effectLst/>
-              <a:latin typeface="+mn-lt"/>
-              <a:ea typeface="+mn-ea"/>
-              <a:cs typeface="+mn-cs"/>
-            </a:endParaRPr>
-          </a:p>
-          <a:p>
-            <a:pPr marL="171450" indent="-171450">
-              <a:buFont typeface="Arial" charset="0"/>
-              <a:buChar char="•"/>
-            </a:pPr>
-            <a:r>
-              <a:rPr lang="en-NZ" sz="1200" kern="1200" dirty="0" smtClean="0">
-                <a:solidFill>
-                  <a:schemeClr val="tx1"/>
-                </a:solidFill>
-                <a:effectLst/>
-                <a:latin typeface="+mn-lt"/>
-                <a:ea typeface="+mn-ea"/>
-                <a:cs typeface="+mn-cs"/>
-              </a:rPr>
-              <a:t>Improve them by comparing, not the image borders, but some proportional reduction (10% to 30% usually, depending on your sprites)</a:t>
-            </a:r>
-          </a:p>
-          <a:p>
-            <a:pPr marL="171450" indent="-171450">
-              <a:buFont typeface="Arial" charset="0"/>
-              <a:buChar char="•"/>
-            </a:pPr>
-            <a:endParaRPr lang="en-NZ" sz="1200" kern="1200" dirty="0" smtClean="0">
-              <a:solidFill>
-                <a:schemeClr val="tx1"/>
-              </a:solidFill>
-              <a:effectLst/>
-              <a:latin typeface="+mn-lt"/>
-              <a:ea typeface="+mn-ea"/>
-              <a:cs typeface="+mn-cs"/>
-            </a:endParaRPr>
-          </a:p>
-          <a:p>
-            <a:pPr marL="171450" indent="-171450">
-              <a:buFont typeface="Arial" charset="0"/>
-              <a:buChar char="•"/>
-            </a:pPr>
-            <a:r>
-              <a:rPr lang="en-NZ" sz="1200" kern="1200" dirty="0" smtClean="0">
-                <a:solidFill>
-                  <a:schemeClr val="tx1"/>
-                </a:solidFill>
-                <a:effectLst/>
-                <a:latin typeface="+mn-lt"/>
-                <a:ea typeface="+mn-ea"/>
-                <a:cs typeface="+mn-cs"/>
-              </a:rPr>
-              <a:t>Each sprite needs its own reduction term depending on its images, so you will need to add it as a class property</a:t>
-            </a:r>
-          </a:p>
-          <a:p>
-            <a:pPr marL="171450" indent="-171450">
-              <a:buFont typeface="Arial" charset="0"/>
-              <a:buChar char="•"/>
-            </a:pPr>
-            <a:endParaRPr lang="en-NZ" sz="1200" kern="1200" dirty="0" smtClean="0">
-              <a:solidFill>
-                <a:schemeClr val="tx1"/>
-              </a:solidFill>
-              <a:effectLst/>
-              <a:latin typeface="+mn-lt"/>
-              <a:ea typeface="+mn-ea"/>
-              <a:cs typeface="+mn-cs"/>
-            </a:endParaRPr>
-          </a:p>
-          <a:p>
-            <a:pPr marL="171450" indent="-171450">
-              <a:buFont typeface="Arial" charset="0"/>
-              <a:buChar char="•"/>
-            </a:pPr>
-            <a:r>
-              <a:rPr lang="en-NZ" sz="1200" kern="1200" dirty="0" smtClean="0">
-                <a:solidFill>
-                  <a:schemeClr val="tx1"/>
-                </a:solidFill>
-                <a:effectLst/>
-                <a:latin typeface="+mn-lt"/>
-                <a:ea typeface="+mn-ea"/>
-                <a:cs typeface="+mn-cs"/>
-              </a:rPr>
-              <a:t>Don’t bring it in too much, or you’ll miss</a:t>
-            </a:r>
-          </a:p>
-          <a:p>
-            <a:pPr marL="171450" indent="-171450">
-              <a:buFont typeface="Arial" charset="0"/>
-              <a:buChar char="•"/>
-            </a:pPr>
-            <a:endParaRPr lang="en-NZ" sz="1200" kern="1200" dirty="0" smtClean="0">
-              <a:solidFill>
-                <a:schemeClr val="tx1"/>
-              </a:solidFill>
-              <a:effectLst/>
-              <a:latin typeface="+mn-lt"/>
-              <a:ea typeface="+mn-ea"/>
-              <a:cs typeface="+mn-cs"/>
-            </a:endParaRPr>
-          </a:p>
-          <a:p>
-            <a:pPr marL="171450" indent="-171450">
-              <a:buFont typeface="Arial" charset="0"/>
-              <a:buChar char="•"/>
-            </a:pPr>
-            <a:r>
-              <a:rPr lang="en-NZ" sz="1200" kern="1200" dirty="0" smtClean="0">
-                <a:solidFill>
-                  <a:schemeClr val="tx1"/>
-                </a:solidFill>
-                <a:effectLst/>
-                <a:latin typeface="+mn-lt"/>
-                <a:ea typeface="+mn-ea"/>
-                <a:cs typeface="+mn-cs"/>
-              </a:rPr>
-              <a:t>Make the proportional reduction a parameter to the collide method (left as an exercise)</a:t>
-            </a:r>
-          </a:p>
-          <a:p>
-            <a:pPr marL="171450" indent="-171450">
-              <a:buFont typeface="Arial" charset="0"/>
-              <a:buChar char="•"/>
-            </a:pPr>
-            <a:endParaRPr lang="en-NZ" sz="1200" kern="1200" dirty="0" smtClean="0">
-              <a:solidFill>
-                <a:schemeClr val="tx1"/>
-              </a:solidFill>
-              <a:effectLst/>
-              <a:latin typeface="+mn-lt"/>
-              <a:ea typeface="+mn-ea"/>
-              <a:cs typeface="+mn-cs"/>
-            </a:endParaRPr>
-          </a:p>
-          <a:p>
-            <a:pPr marL="171450" indent="-171450">
-              <a:buFont typeface="Arial" charset="0"/>
-              <a:buChar char="•"/>
-            </a:pPr>
-            <a:r>
-              <a:rPr lang="en-NZ" sz="1200" kern="1200" dirty="0" smtClean="0">
-                <a:solidFill>
-                  <a:schemeClr val="tx1"/>
-                </a:solidFill>
-                <a:effectLst/>
-                <a:latin typeface="+mn-lt"/>
-                <a:ea typeface="+mn-ea"/>
-                <a:cs typeface="+mn-cs"/>
-              </a:rPr>
-              <a:t>Experiment to find the correct proportional reduction</a:t>
-            </a:r>
           </a:p>
         </p:txBody>
       </p:sp>
@@ -2136,24 +1205,6 @@
               <a:buFont typeface="Arial" charset="0"/>
               <a:buChar char="•"/>
             </a:pPr>
-            <a:r>
-              <a:rPr lang="en-NZ" sz="1200" kern="1200" dirty="0" smtClean="0">
-                <a:solidFill>
-                  <a:schemeClr val="tx1"/>
-                </a:solidFill>
-                <a:effectLst/>
-                <a:latin typeface="+mn-lt"/>
-                <a:ea typeface="+mn-ea"/>
-                <a:cs typeface="+mn-cs"/>
-              </a:rPr>
-              <a:t>As you are trying to balance computational load and accuracy, you may consider an intermediate approach</a:t>
-            </a:r>
-          </a:p>
-          <a:p>
-            <a:pPr marL="171450" indent="-171450">
-              <a:buFont typeface="Arial" charset="0"/>
-              <a:buChar char="•"/>
-            </a:pPr>
             <a:endParaRPr lang="en-NZ" sz="1200" kern="1200" dirty="0" smtClean="0">
               <a:solidFill>
                 <a:schemeClr val="tx1"/>
@@ -2163,24 +1214,6 @@
               <a:ea typeface="+mn-ea"/>
               <a:cs typeface="+mn-cs"/>
             </a:endParaRPr>
-          </a:p>
-          <a:p>
-            <a:pPr marL="171450" indent="-171450">
-              <a:buFont typeface="Arial" charset="0"/>
-              <a:buChar char="•"/>
-            </a:pPr>
-            <a:r>
-              <a:rPr lang="en-NZ" sz="1200" kern="1200" dirty="0" smtClean="0">
-                <a:solidFill>
-                  <a:schemeClr val="tx1"/>
-                </a:solidFill>
-                <a:effectLst/>
-                <a:latin typeface="+mn-lt"/>
-                <a:ea typeface="+mn-ea"/>
-                <a:cs typeface="+mn-cs"/>
-              </a:rPr>
-              <a:t>For the actual requirements of this class, bounding rectangle with reduction is good enough</a:t>
-            </a:r>
           </a:p>
         </p:txBody>
       </p:sp>
@@ -2268,24 +1301,6 @@
               <a:buFont typeface="Arial" charset="0"/>
               <a:buChar char="•"/>
             </a:pPr>
-            <a:r>
-              <a:rPr lang="en-NZ" sz="1200" kern="1200" dirty="0" smtClean="0">
-                <a:solidFill>
-                  <a:schemeClr val="tx1"/>
-                </a:solidFill>
-                <a:effectLst/>
-                <a:latin typeface="+mn-lt"/>
-                <a:ea typeface="+mn-ea"/>
-                <a:cs typeface="+mn-cs"/>
-              </a:rPr>
-              <a:t>Build an application with a player character under keyboard control, and a list of NPC sprites</a:t>
-            </a:r>
-          </a:p>
-          <a:p>
-            <a:pPr marL="171450" indent="-171450">
-              <a:buFont typeface="Arial" charset="0"/>
-              <a:buChar char="•"/>
-            </a:pPr>
             <a:endParaRPr lang="en-NZ" sz="1200" kern="1200" dirty="0" smtClean="0">
               <a:solidFill>
                 <a:schemeClr val="tx1"/>
@@ -2295,90 +1310,6 @@
               <a:ea typeface="+mn-ea"/>
               <a:cs typeface="+mn-cs"/>
             </a:endParaRPr>
-          </a:p>
-          <a:p>
-            <a:pPr marL="171450" indent="-171450">
-              <a:buFont typeface="Arial" charset="0"/>
-              <a:buChar char="•"/>
-            </a:pPr>
-            <a:r>
-              <a:rPr lang="en-NZ" sz="1200" kern="1200" dirty="0" smtClean="0">
-                <a:solidFill>
-                  <a:schemeClr val="tx1"/>
-                </a:solidFill>
-                <a:effectLst/>
-                <a:latin typeface="+mn-lt"/>
-                <a:ea typeface="+mn-ea"/>
-                <a:cs typeface="+mn-cs"/>
-              </a:rPr>
-              <a:t>Program some observable behaviour on collision</a:t>
-            </a:r>
-          </a:p>
-          <a:p>
-            <a:pPr marL="171450" indent="-171450">
-              <a:buFont typeface="Arial" charset="0"/>
-              <a:buChar char="•"/>
-            </a:pPr>
-            <a:endParaRPr lang="en-NZ" sz="1200" kern="1200" dirty="0" smtClean="0">
-              <a:solidFill>
-                <a:schemeClr val="tx1"/>
-              </a:solidFill>
-              <a:effectLst/>
-              <a:latin typeface="+mn-lt"/>
-              <a:ea typeface="+mn-ea"/>
-              <a:cs typeface="+mn-cs"/>
-            </a:endParaRPr>
-          </a:p>
-          <a:p>
-            <a:pPr marL="171450" indent="-171450">
-              <a:buFont typeface="Arial" charset="0"/>
-              <a:buChar char="•"/>
-            </a:pPr>
-            <a:r>
-              <a:rPr lang="en-NZ" sz="1200" kern="1200" dirty="0" smtClean="0">
-                <a:solidFill>
-                  <a:schemeClr val="tx1"/>
-                </a:solidFill>
-                <a:effectLst/>
-                <a:latin typeface="+mn-lt"/>
-                <a:ea typeface="+mn-ea"/>
-                <a:cs typeface="+mn-cs"/>
-              </a:rPr>
-              <a:t>If you have already implemented sprite-to-sprite collision detection, refactor your architecture to remove any coupling or lack-of-cohesion cohesion problems. </a:t>
-            </a:r>
-          </a:p>
-          <a:p>
-            <a:pPr marL="171450" indent="-171450">
-              <a:buFont typeface="Arial" charset="0"/>
-              <a:buChar char="•"/>
-            </a:pPr>
-            <a:endParaRPr lang="en-NZ" sz="1200" kern="1200" dirty="0" smtClean="0">
-              <a:solidFill>
-                <a:schemeClr val="tx1"/>
-              </a:solidFill>
-              <a:effectLst/>
-              <a:latin typeface="+mn-lt"/>
-              <a:ea typeface="+mn-ea"/>
-              <a:cs typeface="+mn-cs"/>
-            </a:endParaRPr>
-          </a:p>
-          <a:p>
-            <a:pPr marL="171450" indent="-171450">
-              <a:buFont typeface="Arial" charset="0"/>
-              <a:buChar char="•"/>
-            </a:pPr>
-            <a:r>
-              <a:rPr lang="en-NZ" sz="1200" kern="1200" dirty="0" smtClean="0">
-                <a:solidFill>
-                  <a:schemeClr val="tx1"/>
-                </a:solidFill>
-                <a:effectLst/>
-                <a:latin typeface="+mn-lt"/>
-                <a:ea typeface="+mn-ea"/>
-                <a:cs typeface="+mn-cs"/>
-              </a:rPr>
-              <a:t>DO NOT JUST STUFF THE COLLISION DETECTION CODE INTO THE MOVE. Use the architecture as described. Remember “it works” is no longer enough. It also has to be right</a:t>
-            </a:r>
           </a:p>
         </p:txBody>
       </p:sp>
@@ -2466,90 +1397,6 @@
               <a:buFont typeface="Arial" charset="0"/>
               <a:buChar char="•"/>
             </a:pPr>
-            <a:r>
-              <a:rPr lang="en-US" sz="1200" kern="1200" dirty="0" smtClean="0">
-                <a:solidFill>
-                  <a:schemeClr val="tx1"/>
-                </a:solidFill>
-                <a:effectLst/>
-                <a:latin typeface="+mn-lt"/>
-                <a:ea typeface="+mn-ea"/>
-                <a:cs typeface="+mn-cs"/>
-              </a:rPr>
-              <a:t>Two algorithms for collision detection</a:t>
-            </a:r>
-          </a:p>
-          <a:p>
-            <a:pPr marL="171450" indent="-171450">
-              <a:buFont typeface="Arial" charset="0"/>
-              <a:buChar char="•"/>
-            </a:pPr>
-            <a:endParaRPr lang="en-US" sz="1200" kern="1200" dirty="0" smtClean="0">
-              <a:solidFill>
-                <a:schemeClr val="tx1"/>
-              </a:solidFill>
-              <a:effectLst/>
-              <a:latin typeface="+mn-lt"/>
-              <a:ea typeface="+mn-ea"/>
-              <a:cs typeface="+mn-cs"/>
-            </a:endParaRPr>
-          </a:p>
-          <a:p>
-            <a:pPr marL="171450" indent="-171450">
-              <a:buFont typeface="Arial" charset="0"/>
-              <a:buChar char="•"/>
-            </a:pPr>
-            <a:r>
-              <a:rPr lang="en-US" sz="1200" kern="1200" dirty="0" smtClean="0">
-                <a:solidFill>
-                  <a:schemeClr val="tx1"/>
-                </a:solidFill>
-                <a:effectLst/>
-                <a:latin typeface="+mn-lt"/>
-                <a:ea typeface="+mn-ea"/>
-                <a:cs typeface="+mn-cs"/>
-              </a:rPr>
-              <a:t>A priori = “before” A posteriori = “after”</a:t>
-            </a:r>
-          </a:p>
-          <a:p>
-            <a:pPr marL="171450" indent="-171450">
-              <a:buFont typeface="Arial" charset="0"/>
-              <a:buChar char="•"/>
-            </a:pPr>
-            <a:endParaRPr lang="en-US" sz="1200" kern="1200" dirty="0" smtClean="0">
-              <a:solidFill>
-                <a:schemeClr val="tx1"/>
-              </a:solidFill>
-              <a:effectLst/>
-              <a:latin typeface="+mn-lt"/>
-              <a:ea typeface="+mn-ea"/>
-              <a:cs typeface="+mn-cs"/>
-            </a:endParaRPr>
-          </a:p>
-          <a:p>
-            <a:pPr marL="171450" indent="-171450">
-              <a:buFont typeface="Arial" charset="0"/>
-              <a:buChar char="•"/>
-            </a:pPr>
-            <a:r>
-              <a:rPr lang="en-US" sz="1200" kern="1200" dirty="0" smtClean="0">
-                <a:solidFill>
-                  <a:schemeClr val="tx1"/>
-                </a:solidFill>
-                <a:effectLst/>
-                <a:latin typeface="+mn-lt"/>
-                <a:ea typeface="+mn-ea"/>
-                <a:cs typeface="+mn-cs"/>
-              </a:rPr>
-              <a:t>We will use a combination of the two approaches – a priori for terrain and a posteriori for sprite-to-sprite</a:t>
-            </a:r>
-          </a:p>
-          <a:p>
-            <a:pPr marL="171450" indent="-171450">
-              <a:buFont typeface="Arial" charset="0"/>
-              <a:buChar char="•"/>
-            </a:pPr>
             <a:endParaRPr lang="en-US" sz="1200" kern="1200" dirty="0" smtClean="0">
               <a:solidFill>
                 <a:schemeClr val="tx1"/>
@@ -2646,252 +1493,6 @@
               <a:buFont typeface="Arial" charset="0"/>
               <a:buChar char="•"/>
             </a:pPr>
-            <a:r>
-              <a:rPr lang="en-NZ" sz="1200" kern="1200" dirty="0" smtClean="0">
-                <a:solidFill>
-                  <a:schemeClr val="tx1"/>
-                </a:solidFill>
-                <a:effectLst/>
-                <a:latin typeface="+mn-lt"/>
-                <a:ea typeface="+mn-ea"/>
-                <a:cs typeface="+mn-cs"/>
-              </a:rPr>
-              <a:t>Collision detection, as we will see, is mathematically straightforward – nothing tricky involved</a:t>
-            </a:r>
-          </a:p>
-          <a:p>
-            <a:pPr marL="171450" indent="-171450">
-              <a:buFont typeface="Arial" charset="0"/>
-              <a:buChar char="•"/>
-            </a:pPr>
-            <a:endParaRPr lang="en-NZ" sz="1200" kern="1200" dirty="0" smtClean="0">
-              <a:solidFill>
-                <a:schemeClr val="tx1"/>
-              </a:solidFill>
-              <a:effectLst/>
-              <a:latin typeface="+mn-lt"/>
-              <a:ea typeface="+mn-ea"/>
-              <a:cs typeface="+mn-cs"/>
-            </a:endParaRPr>
-          </a:p>
-          <a:p>
-            <a:pPr marL="171450" indent="-171450">
-              <a:buFont typeface="Arial" charset="0"/>
-              <a:buChar char="•"/>
-            </a:pPr>
-            <a:r>
-              <a:rPr lang="en-NZ" sz="1200" kern="1200" dirty="0" smtClean="0">
-                <a:solidFill>
-                  <a:schemeClr val="tx1"/>
-                </a:solidFill>
-                <a:effectLst/>
-                <a:latin typeface="+mn-lt"/>
-                <a:ea typeface="+mn-ea"/>
-                <a:cs typeface="+mn-cs"/>
-              </a:rPr>
-              <a:t>The more interesting technical problem is how to control the computational demands</a:t>
-            </a:r>
-          </a:p>
-          <a:p>
-            <a:pPr marL="171450" indent="-171450">
-              <a:buFont typeface="Arial" charset="0"/>
-              <a:buChar char="•"/>
-            </a:pPr>
-            <a:endParaRPr lang="en-NZ" sz="1200" kern="1200" dirty="0" smtClean="0">
-              <a:solidFill>
-                <a:schemeClr val="tx1"/>
-              </a:solidFill>
-              <a:effectLst/>
-              <a:latin typeface="+mn-lt"/>
-              <a:ea typeface="+mn-ea"/>
-              <a:cs typeface="+mn-cs"/>
-            </a:endParaRPr>
-          </a:p>
-          <a:p>
-            <a:pPr marL="171450" indent="-171450">
-              <a:buFont typeface="Arial" charset="0"/>
-              <a:buChar char="•"/>
-            </a:pPr>
-            <a:r>
-              <a:rPr lang="en-NZ" sz="1200" kern="1200" dirty="0" smtClean="0">
-                <a:solidFill>
-                  <a:schemeClr val="tx1"/>
-                </a:solidFill>
-                <a:effectLst/>
-                <a:latin typeface="+mn-lt"/>
-                <a:ea typeface="+mn-ea"/>
-                <a:cs typeface="+mn-cs"/>
-              </a:rPr>
-              <a:t>In our little desktop game, it really makes no difference, of course, but consider the issue in an MMORPG with thousands of sprites moving around at any one game cycle, and you can see that things can get fairly demanding</a:t>
-            </a:r>
-          </a:p>
-          <a:p>
-            <a:pPr marL="171450" indent="-171450">
-              <a:buFont typeface="Arial" charset="0"/>
-              <a:buChar char="•"/>
-            </a:pPr>
-            <a:endParaRPr lang="en-NZ" sz="1200" kern="1200" dirty="0" smtClean="0">
-              <a:solidFill>
-                <a:schemeClr val="tx1"/>
-              </a:solidFill>
-              <a:effectLst/>
-              <a:latin typeface="+mn-lt"/>
-              <a:ea typeface="+mn-ea"/>
-              <a:cs typeface="+mn-cs"/>
-            </a:endParaRPr>
-          </a:p>
-          <a:p>
-            <a:pPr marL="171450" indent="-171450">
-              <a:buFont typeface="Arial" charset="0"/>
-              <a:buChar char="•"/>
-            </a:pPr>
-            <a:r>
-              <a:rPr lang="en-NZ" sz="1200" kern="1200" dirty="0" smtClean="0">
-                <a:solidFill>
-                  <a:schemeClr val="tx1"/>
-                </a:solidFill>
-                <a:effectLst/>
-                <a:latin typeface="+mn-lt"/>
-                <a:ea typeface="+mn-ea"/>
-                <a:cs typeface="+mn-cs"/>
-              </a:rPr>
-              <a:t>The difficulty is in the way that the number of comparisons required increases as we increase the number of sprites involved</a:t>
-            </a:r>
-          </a:p>
-          <a:p>
-            <a:pPr marL="171450" indent="-171450">
-              <a:buFont typeface="Arial" charset="0"/>
-              <a:buChar char="•"/>
-            </a:pPr>
-            <a:endParaRPr lang="en-NZ" sz="1200" kern="1200" dirty="0" smtClean="0">
-              <a:solidFill>
-                <a:schemeClr val="tx1"/>
-              </a:solidFill>
-              <a:effectLst/>
-              <a:latin typeface="+mn-lt"/>
-              <a:ea typeface="+mn-ea"/>
-              <a:cs typeface="+mn-cs"/>
-            </a:endParaRPr>
-          </a:p>
-          <a:p>
-            <a:pPr marL="171450" indent="-171450">
-              <a:buFont typeface="Arial" charset="0"/>
-              <a:buChar char="•"/>
-            </a:pPr>
-            <a:r>
-              <a:rPr lang="en-NZ" sz="1200" kern="1200" dirty="0" smtClean="0">
-                <a:solidFill>
-                  <a:schemeClr val="tx1"/>
-                </a:solidFill>
-                <a:effectLst/>
-                <a:latin typeface="+mn-lt"/>
-                <a:ea typeface="+mn-ea"/>
-                <a:cs typeface="+mn-cs"/>
-              </a:rPr>
-              <a:t>Doubling the number of objects on the screen roughly quadruples the number of tests you must perform</a:t>
-            </a:r>
-          </a:p>
-          <a:p>
-            <a:pPr marL="171450" indent="-171450">
-              <a:buFont typeface="Arial" charset="0"/>
-              <a:buChar char="•"/>
-            </a:pPr>
-            <a:endParaRPr lang="en-NZ" sz="1200" kern="1200" dirty="0" smtClean="0">
-              <a:solidFill>
-                <a:schemeClr val="tx1"/>
-              </a:solidFill>
-              <a:effectLst/>
-              <a:latin typeface="+mn-lt"/>
-              <a:ea typeface="+mn-ea"/>
-              <a:cs typeface="+mn-cs"/>
-            </a:endParaRPr>
-          </a:p>
-          <a:p>
-            <a:pPr marL="171450" indent="-171450">
-              <a:buFont typeface="Arial" charset="0"/>
-              <a:buChar char="•"/>
-            </a:pPr>
-            <a:r>
-              <a:rPr lang="en-NZ" sz="1200" kern="1200" dirty="0" smtClean="0">
-                <a:solidFill>
-                  <a:schemeClr val="tx1"/>
-                </a:solidFill>
-                <a:effectLst/>
-                <a:latin typeface="+mn-lt"/>
-                <a:ea typeface="+mn-ea"/>
-                <a:cs typeface="+mn-cs"/>
-              </a:rPr>
-              <a:t>This mathematical relationship – how many pairs can you make from a given number of objects – is an example of the operation known as ‘n choose k’. We say ‘1000 choose 2’ = 499,500</a:t>
-            </a:r>
-          </a:p>
-          <a:p>
-            <a:pPr marL="171450" indent="-171450">
-              <a:buFont typeface="Arial" charset="0"/>
-              <a:buChar char="•"/>
-            </a:pPr>
-            <a:endParaRPr lang="en-NZ" sz="1200" kern="1200" dirty="0" smtClean="0">
-              <a:solidFill>
-                <a:schemeClr val="tx1"/>
-              </a:solidFill>
-              <a:effectLst/>
-              <a:latin typeface="+mn-lt"/>
-              <a:ea typeface="+mn-ea"/>
-              <a:cs typeface="+mn-cs"/>
-            </a:endParaRPr>
-          </a:p>
-          <a:p>
-            <a:pPr marL="171450" indent="-171450">
-              <a:buFont typeface="Arial" charset="0"/>
-              <a:buChar char="•"/>
-            </a:pPr>
-            <a:r>
-              <a:rPr lang="en-NZ" sz="1200" kern="1200" dirty="0" smtClean="0">
-                <a:solidFill>
-                  <a:schemeClr val="tx1"/>
-                </a:solidFill>
-                <a:effectLst/>
-                <a:latin typeface="+mn-lt"/>
-                <a:ea typeface="+mn-ea"/>
-                <a:cs typeface="+mn-cs"/>
-              </a:rPr>
-              <a:t>Formula: n! / (n-k)! * k!</a:t>
-            </a:r>
-          </a:p>
-          <a:p>
-            <a:pPr marL="171450" indent="-171450">
-              <a:buFont typeface="Arial" charset="0"/>
-              <a:buChar char="•"/>
-            </a:pPr>
-            <a:endParaRPr lang="en-NZ" sz="1200" kern="1200" dirty="0" smtClean="0">
-              <a:solidFill>
-                <a:schemeClr val="tx1"/>
-              </a:solidFill>
-              <a:effectLst/>
-              <a:latin typeface="+mn-lt"/>
-              <a:ea typeface="+mn-ea"/>
-              <a:cs typeface="+mn-cs"/>
-            </a:endParaRPr>
-          </a:p>
-          <a:p>
-            <a:pPr marL="171450" indent="-171450">
-              <a:buFont typeface="Arial" charset="0"/>
-              <a:buChar char="•"/>
-            </a:pPr>
-            <a:endParaRPr lang="en-NZ" sz="1200" kern="1200" dirty="0" smtClean="0">
-              <a:solidFill>
-                <a:schemeClr val="tx1"/>
-              </a:solidFill>
-              <a:effectLst/>
-              <a:latin typeface="+mn-lt"/>
-              <a:ea typeface="+mn-ea"/>
-              <a:cs typeface="+mn-cs"/>
-            </a:endParaRPr>
-          </a:p>
-          <a:p>
-            <a:pPr marL="171450" indent="-171450">
-              <a:buFont typeface="Arial" charset="0"/>
-              <a:buChar char="•"/>
-            </a:pPr>
             <a:endParaRPr lang="en-US" sz="1200" kern="1200" dirty="0" smtClean="0">
               <a:solidFill>
                 <a:schemeClr val="tx1"/>
@@ -2988,354 +1589,6 @@
               <a:buFont typeface="Arial" charset="0"/>
               <a:buChar char="•"/>
             </a:pPr>
-            <a:r>
-              <a:rPr lang="en-NZ" sz="1200" kern="1200" dirty="0" smtClean="0">
-                <a:solidFill>
-                  <a:schemeClr val="tx1"/>
-                </a:solidFill>
-                <a:effectLst/>
-                <a:latin typeface="+mn-lt"/>
-                <a:ea typeface="+mn-ea"/>
-                <a:cs typeface="+mn-cs"/>
-              </a:rPr>
-              <a:t>To improve performance, therefore, we want to reduce the number of comparisons</a:t>
-            </a:r>
-          </a:p>
-          <a:p>
-            <a:pPr marL="171450" indent="-171450">
-              <a:buFont typeface="Arial" charset="0"/>
-              <a:buChar char="•"/>
-            </a:pPr>
-            <a:endParaRPr lang="en-NZ" sz="1200" kern="1200" dirty="0" smtClean="0">
-              <a:solidFill>
-                <a:schemeClr val="tx1"/>
-              </a:solidFill>
-              <a:effectLst/>
-              <a:latin typeface="+mn-lt"/>
-              <a:ea typeface="+mn-ea"/>
-              <a:cs typeface="+mn-cs"/>
-            </a:endParaRPr>
-          </a:p>
-          <a:p>
-            <a:pPr marL="171450" indent="-171450">
-              <a:buFont typeface="Arial" charset="0"/>
-              <a:buChar char="•"/>
-            </a:pPr>
-            <a:r>
-              <a:rPr lang="en-NZ" sz="1200" kern="1200" dirty="0" smtClean="0">
-                <a:solidFill>
-                  <a:schemeClr val="tx1"/>
-                </a:solidFill>
-                <a:effectLst/>
-                <a:latin typeface="+mn-lt"/>
-                <a:ea typeface="+mn-ea"/>
-                <a:cs typeface="+mn-cs"/>
-              </a:rPr>
-              <a:t>There are several ways this can be done</a:t>
-            </a:r>
-          </a:p>
-          <a:p>
-            <a:pPr marL="171450" indent="-171450">
-              <a:buFont typeface="Arial" charset="0"/>
-              <a:buChar char="•"/>
-            </a:pPr>
-            <a:endParaRPr lang="en-NZ" sz="1200" kern="1200" dirty="0" smtClean="0">
-              <a:solidFill>
-                <a:schemeClr val="tx1"/>
-              </a:solidFill>
-              <a:effectLst/>
-              <a:latin typeface="+mn-lt"/>
-              <a:ea typeface="+mn-ea"/>
-              <a:cs typeface="+mn-cs"/>
-            </a:endParaRPr>
-          </a:p>
-          <a:p>
-            <a:pPr marL="171450" indent="-171450">
-              <a:buFont typeface="Arial" charset="0"/>
-              <a:buChar char="•"/>
-            </a:pPr>
-            <a:r>
-              <a:rPr lang="en-NZ" sz="1200" kern="1200" dirty="0" smtClean="0">
-                <a:solidFill>
-                  <a:schemeClr val="tx1"/>
-                </a:solidFill>
-                <a:effectLst/>
-                <a:latin typeface="+mn-lt"/>
-                <a:ea typeface="+mn-ea"/>
-                <a:cs typeface="+mn-cs"/>
-              </a:rPr>
-              <a:t>Remember that you have to write all the code for this stuff</a:t>
-            </a:r>
-          </a:p>
-          <a:p>
-            <a:pPr marL="171450" indent="-171450">
-              <a:buFont typeface="Arial" charset="0"/>
-              <a:buChar char="•"/>
-            </a:pPr>
-            <a:endParaRPr lang="en-NZ" sz="1200" kern="1200" dirty="0" smtClean="0">
-              <a:solidFill>
-                <a:schemeClr val="tx1"/>
-              </a:solidFill>
-              <a:effectLst/>
-              <a:latin typeface="+mn-lt"/>
-              <a:ea typeface="+mn-ea"/>
-              <a:cs typeface="+mn-cs"/>
-            </a:endParaRPr>
-          </a:p>
-          <a:p>
-            <a:pPr marL="171450" indent="-171450">
-              <a:buFont typeface="Arial" charset="0"/>
-              <a:buChar char="•"/>
-            </a:pPr>
-            <a:r>
-              <a:rPr lang="en-NZ" sz="1200" kern="1200" dirty="0" smtClean="0">
-                <a:solidFill>
-                  <a:schemeClr val="tx1"/>
-                </a:solidFill>
-                <a:effectLst/>
-                <a:latin typeface="+mn-lt"/>
-                <a:ea typeface="+mn-ea"/>
-                <a:cs typeface="+mn-cs"/>
-              </a:rPr>
-              <a:t>Game rule elimination: Some objects can’t collide, or it doesn’t matter if they collide, so don’t check them</a:t>
-            </a:r>
-          </a:p>
-          <a:p>
-            <a:pPr marL="171450" indent="-171450">
-              <a:buFont typeface="Arial" charset="0"/>
-              <a:buChar char="•"/>
-            </a:pPr>
-            <a:endParaRPr lang="en-NZ" sz="1200" kern="1200" dirty="0" smtClean="0">
-              <a:solidFill>
-                <a:schemeClr val="tx1"/>
-              </a:solidFill>
-              <a:effectLst/>
-              <a:latin typeface="+mn-lt"/>
-              <a:ea typeface="+mn-ea"/>
-              <a:cs typeface="+mn-cs"/>
-            </a:endParaRPr>
-          </a:p>
-          <a:p>
-            <a:pPr marL="628650" lvl="1" indent="-171450">
-              <a:buFont typeface="Arial" charset="0"/>
-              <a:buChar char="•"/>
-            </a:pPr>
-            <a:r>
-              <a:rPr lang="en-NZ" sz="1200" kern="1200" dirty="0" smtClean="0">
-                <a:solidFill>
-                  <a:schemeClr val="tx1"/>
-                </a:solidFill>
-                <a:effectLst/>
-                <a:latin typeface="+mn-lt"/>
-                <a:ea typeface="+mn-ea"/>
-                <a:cs typeface="+mn-cs"/>
-              </a:rPr>
-              <a:t>For example, in Mario-type games, the various baddies often walk past each other with no effect. You can skip all those comparisons</a:t>
-            </a:r>
-          </a:p>
-          <a:p>
-            <a:pPr marL="628650" lvl="1" indent="-171450">
-              <a:buFont typeface="Arial" charset="0"/>
-              <a:buChar char="•"/>
-            </a:pPr>
-            <a:endParaRPr lang="en-NZ" sz="1200" kern="1200" dirty="0" smtClean="0">
-              <a:solidFill>
-                <a:schemeClr val="tx1"/>
-              </a:solidFill>
-              <a:effectLst/>
-              <a:latin typeface="+mn-lt"/>
-              <a:ea typeface="+mn-ea"/>
-              <a:cs typeface="+mn-cs"/>
-            </a:endParaRPr>
-          </a:p>
-          <a:p>
-            <a:pPr marL="628650" lvl="1" indent="-171450">
-              <a:buFont typeface="Arial" charset="0"/>
-              <a:buChar char="•"/>
-            </a:pPr>
-            <a:r>
-              <a:rPr lang="en-NZ" sz="1200" kern="1200" dirty="0" smtClean="0">
-                <a:solidFill>
-                  <a:schemeClr val="tx1"/>
-                </a:solidFill>
-                <a:effectLst/>
-                <a:latin typeface="+mn-lt"/>
-                <a:ea typeface="+mn-ea"/>
-                <a:cs typeface="+mn-cs"/>
-              </a:rPr>
-              <a:t>Or if you’re making a space-shooter where enemy missiles don’t destroy each other, there’s no need to check if they have collided</a:t>
-            </a:r>
-          </a:p>
-          <a:p>
-            <a:pPr marL="628650" lvl="1" indent="-171450">
-              <a:buFont typeface="Arial" charset="0"/>
-              <a:buChar char="•"/>
-            </a:pPr>
-            <a:endParaRPr lang="en-NZ" sz="1200" kern="1200" dirty="0" smtClean="0">
-              <a:solidFill>
-                <a:schemeClr val="tx1"/>
-              </a:solidFill>
-              <a:effectLst/>
-              <a:latin typeface="+mn-lt"/>
-              <a:ea typeface="+mn-ea"/>
-              <a:cs typeface="+mn-cs"/>
-            </a:endParaRPr>
-          </a:p>
-          <a:p>
-            <a:pPr marL="171450" indent="-171450">
-              <a:buFont typeface="Arial" charset="0"/>
-              <a:buChar char="•"/>
-            </a:pPr>
-            <a:r>
-              <a:rPr lang="en-NZ" sz="1200" kern="1200" dirty="0" smtClean="0">
-                <a:solidFill>
-                  <a:schemeClr val="tx1"/>
-                </a:solidFill>
-                <a:effectLst/>
-                <a:latin typeface="+mn-lt"/>
-                <a:ea typeface="+mn-ea"/>
-                <a:cs typeface="+mn-cs"/>
-              </a:rPr>
-              <a:t>Spatial elimination: Some objects are physically incapable of colliding, so don’t check them</a:t>
-            </a:r>
-          </a:p>
-          <a:p>
-            <a:pPr marL="171450" indent="-171450">
-              <a:buFont typeface="Arial" charset="0"/>
-              <a:buChar char="•"/>
-            </a:pPr>
-            <a:endParaRPr lang="en-NZ" sz="1200" kern="1200" dirty="0" smtClean="0">
-              <a:solidFill>
-                <a:schemeClr val="tx1"/>
-              </a:solidFill>
-              <a:effectLst/>
-              <a:latin typeface="+mn-lt"/>
-              <a:ea typeface="+mn-ea"/>
-              <a:cs typeface="+mn-cs"/>
-            </a:endParaRPr>
-          </a:p>
-          <a:p>
-            <a:pPr marL="628650" lvl="1" indent="-171450">
-              <a:buFont typeface="Arial" charset="0"/>
-              <a:buChar char="•"/>
-            </a:pPr>
-            <a:r>
-              <a:rPr lang="en-NZ" sz="1200" kern="1200" dirty="0" smtClean="0">
-                <a:solidFill>
-                  <a:schemeClr val="tx1"/>
-                </a:solidFill>
-                <a:effectLst/>
-                <a:latin typeface="+mn-lt"/>
-                <a:ea typeface="+mn-ea"/>
-                <a:cs typeface="+mn-cs"/>
-              </a:rPr>
-              <a:t>Sort by location</a:t>
-            </a:r>
-          </a:p>
-          <a:p>
-            <a:pPr marL="628650" lvl="1" indent="-171450">
-              <a:buFont typeface="Arial" charset="0"/>
-              <a:buChar char="•"/>
-            </a:pPr>
-            <a:endParaRPr lang="en-NZ" sz="1200" kern="1200" dirty="0" smtClean="0">
-              <a:solidFill>
-                <a:schemeClr val="tx1"/>
-              </a:solidFill>
-              <a:effectLst/>
-              <a:latin typeface="+mn-lt"/>
-              <a:ea typeface="+mn-ea"/>
-              <a:cs typeface="+mn-cs"/>
-            </a:endParaRPr>
-          </a:p>
-          <a:p>
-            <a:pPr marL="628650" lvl="1" indent="-171450">
-              <a:buFont typeface="Arial" charset="0"/>
-              <a:buChar char="•"/>
-            </a:pPr>
-            <a:r>
-              <a:rPr lang="en-NZ" sz="1200" kern="1200" dirty="0" smtClean="0">
-                <a:solidFill>
-                  <a:schemeClr val="tx1"/>
-                </a:solidFill>
-                <a:effectLst/>
-                <a:latin typeface="+mn-lt"/>
-                <a:ea typeface="+mn-ea"/>
-                <a:cs typeface="+mn-cs"/>
-              </a:rPr>
-              <a:t>Only compare neighbours (within some distance) in the list. Quit comparing when you get width pixels (if sorted on x axis) or height pixels (if sorted on y axis) apart</a:t>
-            </a:r>
-          </a:p>
-          <a:p>
-            <a:pPr marL="628650" lvl="1" indent="-171450">
-              <a:buFont typeface="Arial" charset="0"/>
-              <a:buChar char="•"/>
-            </a:pPr>
-            <a:endParaRPr lang="en-NZ" sz="1200" kern="1200" dirty="0" smtClean="0">
-              <a:solidFill>
-                <a:schemeClr val="tx1"/>
-              </a:solidFill>
-              <a:effectLst/>
-              <a:latin typeface="+mn-lt"/>
-              <a:ea typeface="+mn-ea"/>
-              <a:cs typeface="+mn-cs"/>
-            </a:endParaRPr>
-          </a:p>
-          <a:p>
-            <a:pPr marL="171450" indent="-171450">
-              <a:buFont typeface="Arial" charset="0"/>
-              <a:buChar char="•"/>
-            </a:pPr>
-            <a:r>
-              <a:rPr lang="en-NZ" sz="1200" kern="1200" dirty="0" smtClean="0">
-                <a:solidFill>
-                  <a:schemeClr val="tx1"/>
-                </a:solidFill>
-                <a:effectLst/>
-                <a:latin typeface="+mn-lt"/>
-                <a:ea typeface="+mn-ea"/>
-                <a:cs typeface="+mn-cs"/>
-              </a:rPr>
-              <a:t>Spatial elimination requires extra computation to sort the various objects and perform additional bookkeeping</a:t>
-            </a:r>
-          </a:p>
-          <a:p>
-            <a:pPr marL="171450" indent="-171450">
-              <a:buFont typeface="Arial" charset="0"/>
-              <a:buChar char="•"/>
-            </a:pPr>
-            <a:endParaRPr lang="en-NZ" sz="1200" kern="1200" dirty="0" smtClean="0">
-              <a:solidFill>
-                <a:schemeClr val="tx1"/>
-              </a:solidFill>
-              <a:effectLst/>
-              <a:latin typeface="+mn-lt"/>
-              <a:ea typeface="+mn-ea"/>
-              <a:cs typeface="+mn-cs"/>
-            </a:endParaRPr>
-          </a:p>
-          <a:p>
-            <a:pPr marL="171450" indent="-171450">
-              <a:buFont typeface="Arial" charset="0"/>
-              <a:buChar char="•"/>
-            </a:pPr>
-            <a:r>
-              <a:rPr lang="en-NZ" sz="1200" kern="1200" dirty="0" smtClean="0">
-                <a:solidFill>
-                  <a:schemeClr val="tx1"/>
-                </a:solidFill>
-                <a:effectLst/>
-                <a:latin typeface="+mn-lt"/>
-                <a:ea typeface="+mn-ea"/>
-                <a:cs typeface="+mn-cs"/>
-              </a:rPr>
-              <a:t> It is better suited for games in which a large number of objects are active at once. If a game has only a few objects, there aren't many potential collision tests to eliminate, and the added bookkeeping can exceed the gain</a:t>
-            </a:r>
-          </a:p>
-          <a:p>
-            <a:pPr marL="171450" indent="-171450">
-              <a:buFont typeface="Arial" charset="0"/>
-              <a:buChar char="•"/>
-            </a:pPr>
             <a:endParaRPr lang="en-US" sz="1200" kern="1200" dirty="0" smtClean="0">
               <a:solidFill>
                 <a:schemeClr val="tx1"/>
@@ -3432,105 +1685,6 @@
               <a:buFont typeface="Arial" charset="0"/>
               <a:buChar char="•"/>
             </a:pPr>
-            <a:r>
-              <a:rPr lang="en-NZ" sz="1200" kern="1200" dirty="0" smtClean="0">
-                <a:solidFill>
-                  <a:schemeClr val="tx1"/>
-                </a:solidFill>
-                <a:effectLst/>
-                <a:latin typeface="+mn-lt"/>
-                <a:ea typeface="+mn-ea"/>
-                <a:cs typeface="+mn-cs"/>
-              </a:rPr>
-              <a:t>Given that you have decided which pairs to test, how do you programmatically determine if a collision has occurred?</a:t>
-            </a:r>
-          </a:p>
-          <a:p>
-            <a:pPr marL="171450" indent="-171450">
-              <a:buFont typeface="Arial" charset="0"/>
-              <a:buChar char="•"/>
-            </a:pPr>
-            <a:endParaRPr lang="en-NZ" sz="1200" kern="1200" dirty="0" smtClean="0">
-              <a:solidFill>
-                <a:schemeClr val="tx1"/>
-              </a:solidFill>
-              <a:effectLst/>
-              <a:latin typeface="+mn-lt"/>
-              <a:ea typeface="+mn-ea"/>
-              <a:cs typeface="+mn-cs"/>
-            </a:endParaRPr>
-          </a:p>
-          <a:p>
-            <a:pPr marL="171450" indent="-171450">
-              <a:buFont typeface="Arial" charset="0"/>
-              <a:buChar char="•"/>
-            </a:pPr>
-            <a:r>
-              <a:rPr lang="en-NZ" sz="1200" kern="1200" dirty="0" smtClean="0">
-                <a:solidFill>
-                  <a:schemeClr val="tx1"/>
-                </a:solidFill>
-                <a:effectLst/>
-                <a:latin typeface="+mn-lt"/>
-                <a:ea typeface="+mn-ea"/>
-                <a:cs typeface="+mn-cs"/>
-              </a:rPr>
-              <a:t>Have these two objects collided?</a:t>
-            </a:r>
-          </a:p>
-          <a:p>
-            <a:pPr marL="171450" indent="-171450">
-              <a:buFont typeface="Arial" charset="0"/>
-              <a:buChar char="•"/>
-            </a:pPr>
-            <a:endParaRPr lang="en-NZ" sz="1200" kern="1200" dirty="0" smtClean="0">
-              <a:solidFill>
-                <a:schemeClr val="tx1"/>
-              </a:solidFill>
-              <a:effectLst/>
-              <a:latin typeface="+mn-lt"/>
-              <a:ea typeface="+mn-ea"/>
-              <a:cs typeface="+mn-cs"/>
-            </a:endParaRPr>
-          </a:p>
-          <a:p>
-            <a:pPr marL="171450" indent="-171450">
-              <a:buFont typeface="Arial" charset="0"/>
-              <a:buChar char="•"/>
-            </a:pPr>
-            <a:r>
-              <a:rPr lang="en-NZ" sz="1200" kern="1200" dirty="0" smtClean="0">
-                <a:solidFill>
-                  <a:schemeClr val="tx1"/>
-                </a:solidFill>
-                <a:effectLst/>
-                <a:latin typeface="+mn-lt"/>
-                <a:ea typeface="+mn-ea"/>
-                <a:cs typeface="+mn-cs"/>
-              </a:rPr>
-              <a:t>It depends.....</a:t>
-            </a:r>
-          </a:p>
-          <a:p>
-            <a:pPr marL="171450" indent="-171450">
-              <a:buFont typeface="Arial" charset="0"/>
-              <a:buChar char="•"/>
-            </a:pPr>
-            <a:endParaRPr lang="en-NZ" sz="1200" kern="1200" dirty="0" smtClean="0">
-              <a:solidFill>
-                <a:schemeClr val="tx1"/>
-              </a:solidFill>
-              <a:effectLst/>
-              <a:latin typeface="+mn-lt"/>
-              <a:ea typeface="+mn-ea"/>
-              <a:cs typeface="+mn-cs"/>
-            </a:endParaRPr>
-          </a:p>
-          <a:p>
-            <a:pPr marL="171450" indent="-171450">
-              <a:buFont typeface="Arial" charset="0"/>
-              <a:buChar char="•"/>
-            </a:pPr>
             <a:endParaRPr lang="en-US" sz="1200" kern="1200" dirty="0" smtClean="0">
               <a:solidFill>
                 <a:schemeClr val="tx1"/>
@@ -3627,90 +1781,6 @@
               <a:buFont typeface="Arial" charset="0"/>
               <a:buChar char="•"/>
             </a:pPr>
-            <a:r>
-              <a:rPr lang="en-NZ" sz="1200" kern="1200" dirty="0" smtClean="0">
-                <a:solidFill>
-                  <a:schemeClr val="tx1"/>
-                </a:solidFill>
-                <a:effectLst/>
-                <a:latin typeface="+mn-lt"/>
-                <a:ea typeface="+mn-ea"/>
-                <a:cs typeface="+mn-cs"/>
-              </a:rPr>
-              <a:t>Have these two objects collided?</a:t>
-            </a:r>
-          </a:p>
-          <a:p>
-            <a:pPr marL="171450" indent="-171450">
-              <a:buFont typeface="Arial" charset="0"/>
-              <a:buChar char="•"/>
-            </a:pPr>
-            <a:endParaRPr lang="en-NZ" sz="1200" kern="1200" dirty="0" smtClean="0">
-              <a:solidFill>
-                <a:schemeClr val="tx1"/>
-              </a:solidFill>
-              <a:effectLst/>
-              <a:latin typeface="+mn-lt"/>
-              <a:ea typeface="+mn-ea"/>
-              <a:cs typeface="+mn-cs"/>
-            </a:endParaRPr>
-          </a:p>
-          <a:p>
-            <a:pPr marL="171450" indent="-171450">
-              <a:buFont typeface="Arial" charset="0"/>
-              <a:buChar char="•"/>
-            </a:pPr>
-            <a:r>
-              <a:rPr lang="en-NZ" sz="1200" kern="1200" dirty="0" smtClean="0">
-                <a:solidFill>
-                  <a:schemeClr val="tx1"/>
-                </a:solidFill>
-                <a:effectLst/>
-                <a:latin typeface="+mn-lt"/>
-                <a:ea typeface="+mn-ea"/>
-                <a:cs typeface="+mn-cs"/>
-              </a:rPr>
-              <a:t>It depends</a:t>
-            </a:r>
-          </a:p>
-          <a:p>
-            <a:pPr marL="171450" indent="-171450">
-              <a:buFont typeface="Arial" charset="0"/>
-              <a:buChar char="•"/>
-            </a:pPr>
-            <a:endParaRPr lang="en-NZ" sz="1200" kern="1200" dirty="0" smtClean="0">
-              <a:solidFill>
-                <a:schemeClr val="tx1"/>
-              </a:solidFill>
-              <a:effectLst/>
-              <a:latin typeface="+mn-lt"/>
-              <a:ea typeface="+mn-ea"/>
-              <a:cs typeface="+mn-cs"/>
-            </a:endParaRPr>
-          </a:p>
-          <a:p>
-            <a:pPr marL="171450" indent="-171450">
-              <a:buFont typeface="Arial" charset="0"/>
-              <a:buChar char="•"/>
-            </a:pPr>
-            <a:r>
-              <a:rPr lang="en-NZ" sz="1200" kern="1200" dirty="0" smtClean="0">
-                <a:solidFill>
-                  <a:schemeClr val="tx1"/>
-                </a:solidFill>
-                <a:effectLst/>
-                <a:latin typeface="+mn-lt"/>
-                <a:ea typeface="+mn-ea"/>
-                <a:cs typeface="+mn-cs"/>
-              </a:rPr>
-              <a:t>If you look at them, it appears that they have not. However, if you check for overlap of, for example, their bitmaps, you will determine that they have</a:t>
-            </a:r>
-          </a:p>
-          <a:p>
-            <a:pPr marL="171450" indent="-171450">
-              <a:buFont typeface="Arial" charset="0"/>
-              <a:buChar char="•"/>
-            </a:pPr>
             <a:endParaRPr lang="en-US" sz="1200" kern="1200" dirty="0" smtClean="0">
               <a:solidFill>
                 <a:schemeClr val="tx1"/>
@@ -3807,66 +1877,6 @@
               <a:buFont typeface="Arial" charset="0"/>
               <a:buChar char="•"/>
             </a:pPr>
-            <a:r>
-              <a:rPr lang="en-US" sz="1200" kern="1200" dirty="0" smtClean="0">
-                <a:solidFill>
-                  <a:schemeClr val="tx1"/>
-                </a:solidFill>
-                <a:effectLst/>
-                <a:latin typeface="+mn-lt"/>
-                <a:ea typeface="+mn-ea"/>
-                <a:cs typeface="+mn-cs"/>
-              </a:rPr>
-              <a:t>You have two choices:</a:t>
-            </a:r>
-          </a:p>
-          <a:p>
-            <a:pPr marL="628650" lvl="1" indent="-171450">
-              <a:buFont typeface="Arial" charset="0"/>
-              <a:buChar char="•"/>
-            </a:pPr>
-            <a:r>
-              <a:rPr lang="en-US" sz="1200" kern="1200" dirty="0" smtClean="0">
-                <a:solidFill>
-                  <a:schemeClr val="tx1"/>
-                </a:solidFill>
-                <a:effectLst/>
-                <a:latin typeface="+mn-lt"/>
-                <a:ea typeface="+mn-ea"/>
-                <a:cs typeface="+mn-cs"/>
-              </a:rPr>
-              <a:t>Fast but inaccurate</a:t>
-            </a:r>
-          </a:p>
-          <a:p>
-            <a:pPr marL="628650" lvl="1" indent="-171450">
-              <a:buFont typeface="Arial" charset="0"/>
-              <a:buChar char="•"/>
-            </a:pPr>
-            <a:r>
-              <a:rPr lang="en-US" sz="1200" kern="1200" dirty="0" smtClean="0">
-                <a:solidFill>
-                  <a:schemeClr val="tx1"/>
-                </a:solidFill>
-                <a:effectLst/>
-                <a:latin typeface="+mn-lt"/>
-                <a:ea typeface="+mn-ea"/>
-                <a:cs typeface="+mn-cs"/>
-              </a:rPr>
-              <a:t>Accurate but</a:t>
-            </a:r>
-            <a:r>
-              <a:rPr lang="en-US" sz="1200" kern="1200" baseline="0" dirty="0" smtClean="0">
-                <a:solidFill>
-                  <a:schemeClr val="tx1"/>
-                </a:solidFill>
-                <a:effectLst/>
-                <a:latin typeface="+mn-lt"/>
-                <a:ea typeface="+mn-ea"/>
-                <a:cs typeface="+mn-cs"/>
-              </a:rPr>
-              <a:t> slow</a:t>
-            </a:r>
             <a:endParaRPr lang="en-US" sz="1200" kern="1200" dirty="0" smtClean="0">
               <a:solidFill>
                 <a:schemeClr val="tx1"/>
@@ -3963,42 +1973,15 @@
               <a:buFont typeface="Arial" charset="0"/>
               <a:buChar char="•"/>
             </a:pPr>
-            <a:r>
-              <a:rPr lang="en-NZ" sz="1200" kern="1200" dirty="0" smtClean="0">
-                <a:solidFill>
-                  <a:schemeClr val="tx1"/>
-                </a:solidFill>
-                <a:effectLst/>
-                <a:latin typeface="+mn-lt"/>
-                <a:ea typeface="+mn-ea"/>
-                <a:cs typeface="+mn-cs"/>
-              </a:rPr>
-              <a:t>This computation (double for loop) is O(n2) in the number of pixels.</a:t>
-            </a:r>
-            <a:r>
-              <a:rPr lang="en-NZ" sz="1200" kern="1200" baseline="0" dirty="0" smtClean="0">
-                <a:solidFill>
-                  <a:schemeClr val="tx1"/>
-                </a:solidFill>
-                <a:effectLst/>
-                <a:latin typeface="+mn-lt"/>
-                <a:ea typeface="+mn-ea"/>
-                <a:cs typeface="+mn-cs"/>
-              </a:rPr>
-              <a:t> Terrible speed, b</a:t>
-            </a:r>
-            <a:r>
-              <a:rPr lang="en-NZ" sz="1200" kern="1200" dirty="0" smtClean="0">
-                <a:solidFill>
-                  <a:schemeClr val="tx1"/>
-                </a:solidFill>
-                <a:effectLst/>
-                <a:latin typeface="+mn-lt"/>
-                <a:ea typeface="+mn-ea"/>
-                <a:cs typeface="+mn-cs"/>
-              </a:rPr>
-              <a:t>ut it is very accurate</a:t>
-            </a:r>
+            <a:endParaRPr lang="en-NZ" sz="1200" kern="1200" dirty="0" smtClean="0">
+              <a:solidFill>
+                <a:schemeClr val="tx1"/>
+              </a:solidFill>
+              <a:effectLst/>
+              <a:latin typeface="+mn-lt"/>
+              <a:ea typeface="+mn-ea"/>
+              <a:cs typeface="+mn-cs"/>
+            </a:endParaRPr>
           </a:p>
         </p:txBody>
       </p:sp>
@@ -4086,24 +2069,6 @@
               <a:buFont typeface="Arial" charset="0"/>
               <a:buChar char="•"/>
             </a:pPr>
-            <a:r>
-              <a:rPr lang="en-NZ" sz="1200" kern="1200" dirty="0" smtClean="0">
-                <a:solidFill>
-                  <a:schemeClr val="tx1"/>
-                </a:solidFill>
-                <a:effectLst/>
-                <a:latin typeface="+mn-lt"/>
-                <a:ea typeface="+mn-ea"/>
-                <a:cs typeface="+mn-cs"/>
-              </a:rPr>
-              <a:t>An interesting technique</a:t>
-            </a:r>
-          </a:p>
-          <a:p>
-            <a:pPr marL="171450" indent="-171450">
-              <a:buFont typeface="Arial" charset="0"/>
-              <a:buChar char="•"/>
-            </a:pPr>
             <a:endParaRPr lang="en-NZ" sz="1200" kern="1200" dirty="0" smtClean="0">
               <a:solidFill>
                 <a:schemeClr val="tx1"/>
@@ -4113,147 +2078,6 @@
               <a:ea typeface="+mn-ea"/>
               <a:cs typeface="+mn-cs"/>
             </a:endParaRPr>
-          </a:p>
-          <a:p>
-            <a:pPr marL="171450" indent="-171450">
-              <a:buFont typeface="Arial" charset="0"/>
-              <a:buChar char="•"/>
-            </a:pPr>
-            <a:r>
-              <a:rPr lang="en-NZ" sz="1200" kern="1200" dirty="0" smtClean="0">
-                <a:solidFill>
-                  <a:schemeClr val="tx1"/>
-                </a:solidFill>
-                <a:effectLst/>
-                <a:latin typeface="+mn-lt"/>
-                <a:ea typeface="+mn-ea"/>
-                <a:cs typeface="+mn-cs"/>
-              </a:rPr>
-              <a:t>A collision map can speed up this process</a:t>
-            </a:r>
-          </a:p>
-          <a:p>
-            <a:pPr marL="171450" indent="-171450">
-              <a:buFont typeface="Arial" charset="0"/>
-              <a:buChar char="•"/>
-            </a:pPr>
-            <a:endParaRPr lang="en-NZ" sz="1200" kern="1200" dirty="0" smtClean="0">
-              <a:solidFill>
-                <a:schemeClr val="tx1"/>
-              </a:solidFill>
-              <a:effectLst/>
-              <a:latin typeface="+mn-lt"/>
-              <a:ea typeface="+mn-ea"/>
-              <a:cs typeface="+mn-cs"/>
-            </a:endParaRPr>
-          </a:p>
-          <a:p>
-            <a:pPr marL="171450" indent="-171450">
-              <a:buFont typeface="Arial" charset="0"/>
-              <a:buChar char="•"/>
-            </a:pPr>
-            <a:r>
-              <a:rPr lang="en-NZ" sz="1200" kern="1200" dirty="0" smtClean="0">
-                <a:solidFill>
-                  <a:schemeClr val="tx1"/>
-                </a:solidFill>
-                <a:effectLst/>
-                <a:latin typeface="+mn-lt"/>
-                <a:ea typeface="+mn-ea"/>
-                <a:cs typeface="+mn-cs"/>
-              </a:rPr>
-              <a:t>Set it up in the sprite’s constructor</a:t>
-            </a:r>
-          </a:p>
-          <a:p>
-            <a:pPr marL="171450" indent="-171450">
-              <a:buFont typeface="Arial" charset="0"/>
-              <a:buChar char="•"/>
-            </a:pPr>
-            <a:endParaRPr lang="en-NZ" sz="1200" kern="1200" dirty="0" smtClean="0">
-              <a:solidFill>
-                <a:schemeClr val="tx1"/>
-              </a:solidFill>
-              <a:effectLst/>
-              <a:latin typeface="+mn-lt"/>
-              <a:ea typeface="+mn-ea"/>
-              <a:cs typeface="+mn-cs"/>
-            </a:endParaRPr>
-          </a:p>
-          <a:p>
-            <a:pPr marL="171450" indent="-171450">
-              <a:buFont typeface="Arial" charset="0"/>
-              <a:buChar char="•"/>
-            </a:pPr>
-            <a:r>
-              <a:rPr lang="en-NZ" sz="1200" kern="1200" dirty="0" smtClean="0">
-                <a:solidFill>
-                  <a:schemeClr val="tx1"/>
-                </a:solidFill>
-                <a:effectLst/>
-                <a:latin typeface="+mn-lt"/>
-                <a:ea typeface="+mn-ea"/>
-                <a:cs typeface="+mn-cs"/>
-              </a:rPr>
-              <a:t>Here you don’t have to keep calling the </a:t>
-            </a:r>
-            <a:r>
-              <a:rPr lang="en-NZ" sz="1200" kern="1200" dirty="0" err="1" smtClean="0">
-                <a:solidFill>
-                  <a:schemeClr val="tx1"/>
-                </a:solidFill>
-                <a:effectLst/>
-                <a:latin typeface="+mn-lt"/>
-                <a:ea typeface="+mn-ea"/>
-                <a:cs typeface="+mn-cs"/>
-              </a:rPr>
-              <a:t>GetPixel</a:t>
-            </a:r>
-            <a:r>
-              <a:rPr lang="en-NZ" sz="1200" kern="1200" dirty="0" smtClean="0">
-                <a:solidFill>
-                  <a:schemeClr val="tx1"/>
-                </a:solidFill>
-                <a:effectLst/>
-                <a:latin typeface="+mn-lt"/>
-                <a:ea typeface="+mn-ea"/>
-                <a:cs typeface="+mn-cs"/>
-              </a:rPr>
-              <a:t> method and comparing the colours all the time, you just grab the bit</a:t>
-            </a:r>
-          </a:p>
-          <a:p>
-            <a:pPr marL="171450" indent="-171450">
-              <a:buFont typeface="Arial" charset="0"/>
-              <a:buChar char="•"/>
-            </a:pPr>
-            <a:endParaRPr lang="en-NZ" sz="1200" kern="1200" dirty="0" smtClean="0">
-              <a:solidFill>
-                <a:schemeClr val="tx1"/>
-              </a:solidFill>
-              <a:effectLst/>
-              <a:latin typeface="+mn-lt"/>
-              <a:ea typeface="+mn-ea"/>
-              <a:cs typeface="+mn-cs"/>
-            </a:endParaRPr>
-          </a:p>
-          <a:p>
-            <a:pPr marL="171450" indent="-171450">
-              <a:buFont typeface="Arial" charset="0"/>
-              <a:buChar char="•"/>
-            </a:pPr>
-            <a:r>
-              <a:rPr lang="en-NZ" sz="1200" kern="1200" dirty="0" smtClean="0">
-                <a:solidFill>
-                  <a:schemeClr val="tx1"/>
-                </a:solidFill>
-                <a:effectLst/>
-                <a:latin typeface="+mn-lt"/>
-                <a:ea typeface="+mn-ea"/>
-                <a:cs typeface="+mn-cs"/>
-              </a:rPr>
-              <a:t>Still O(n**2) though</a:t>
-            </a:r>
           </a:p>
         </p:txBody>
       </p:sp>
@@ -4474,7 +2298,7 @@
           <a:p>
             <a:fld id="{F8166F1F-CE9B-4651-A6AA-CD717754106B}" type="datetimeFigureOut">
               <a:rPr lang="en-US" smtClean="0"/>
-              <a:t>4/9/20</a:t>
+              <a:t>4/15/20</a:t>
             </a:fld>
             <a:endParaRPr lang="en-US"/>
           </a:p>
@@ -4639,7 +2463,7 @@
           <a:p>
             <a:fld id="{A76116CE-C4A3-4A05-B2D7-7C2E9A889C0F}" type="datetimeFigureOut">
               <a:rPr lang="en-US" smtClean="0"/>
-              <a:t>4/9/20</a:t>
+              <a:t>4/15/20</a:t>
             </a:fld>
             <a:endParaRPr lang="en-US"/>
           </a:p>
@@ -4814,7 +2638,7 @@
           <a:p>
             <a:fld id="{A76116CE-C4A3-4A05-B2D7-7C2E9A889C0F}" type="datetimeFigureOut">
               <a:rPr lang="en-US" smtClean="0"/>
-              <a:t>4/9/20</a:t>
+              <a:t>4/15/20</a:t>
             </a:fld>
             <a:endParaRPr lang="en-US"/>
           </a:p>
@@ -4981,7 +2805,7 @@
           <a:p>
             <a:fld id="{A76116CE-C4A3-4A05-B2D7-7C2E9A889C0F}" type="datetimeFigureOut">
               <a:rPr lang="en-US" smtClean="0"/>
-              <a:t>4/9/20</a:t>
+              <a:t>4/15/20</a:t>
             </a:fld>
             <a:endParaRPr lang="en-US"/>
           </a:p>
@@ -5222,7 +3046,7 @@
           <a:p>
             <a:fld id="{A76116CE-C4A3-4A05-B2D7-7C2E9A889C0F}" type="datetimeFigureOut">
               <a:rPr lang="en-US" smtClean="0"/>
-              <a:t>4/9/20</a:t>
+              <a:t>4/15/20</a:t>
             </a:fld>
             <a:endParaRPr lang="en-US"/>
           </a:p>
@@ -5505,7 +3329,7 @@
           <a:p>
             <a:fld id="{A76116CE-C4A3-4A05-B2D7-7C2E9A889C0F}" type="datetimeFigureOut">
               <a:rPr lang="en-US" smtClean="0"/>
-              <a:t>4/9/20</a:t>
+              <a:t>4/15/20</a:t>
             </a:fld>
             <a:endParaRPr lang="en-US"/>
           </a:p>
@@ -5922,7 +3746,7 @@
           <a:p>
             <a:fld id="{A76116CE-C4A3-4A05-B2D7-7C2E9A889C0F}" type="datetimeFigureOut">
               <a:rPr lang="en-US" smtClean="0"/>
-              <a:t>4/9/20</a:t>
+              <a:t>4/15/20</a:t>
             </a:fld>
             <a:endParaRPr lang="en-US"/>
           </a:p>
@@ -6035,7 +3859,7 @@
           <a:p>
             <a:fld id="{A76116CE-C4A3-4A05-B2D7-7C2E9A889C0F}" type="datetimeFigureOut">
               <a:rPr lang="en-US" smtClean="0"/>
-              <a:t>4/9/20</a:t>
+              <a:t>4/15/20</a:t>
             </a:fld>
             <a:endParaRPr lang="en-US"/>
           </a:p>
@@ -6125,7 +3949,7 @@
           <a:p>
             <a:fld id="{A76116CE-C4A3-4A05-B2D7-7C2E9A889C0F}" type="datetimeFigureOut">
               <a:rPr lang="en-US" smtClean="0"/>
-              <a:t>4/9/20</a:t>
+              <a:t>4/15/20</a:t>
             </a:fld>
             <a:endParaRPr lang="en-US"/>
           </a:p>
@@ -6397,7 +4221,7 @@
           <a:p>
             <a:fld id="{A76116CE-C4A3-4A05-B2D7-7C2E9A889C0F}" type="datetimeFigureOut">
               <a:rPr lang="en-US" smtClean="0"/>
-              <a:t>4/9/20</a:t>
+              <a:t>4/15/20</a:t>
             </a:fld>
             <a:endParaRPr lang="en-US"/>
           </a:p>
@@ -6645,7 +4469,7 @@
           <a:p>
             <a:fld id="{A76116CE-C4A3-4A05-B2D7-7C2E9A889C0F}" type="datetimeFigureOut">
               <a:rPr lang="en-US" smtClean="0"/>
-              <a:t>4/9/20</a:t>
+              <a:t>4/15/20</a:t>
             </a:fld>
             <a:endParaRPr lang="en-US"/>
           </a:p>
@@ -6853,7 +4677,7 @@
           <a:p>
             <a:fld id="{F8166F1F-CE9B-4651-A6AA-CD717754106B}" type="datetimeFigureOut">
               <a:rPr lang="en-US" smtClean="0"/>
-              <a:t>4/9/20</a:t>
+              <a:t>4/15/20</a:t>
             </a:fld>
             <a:endParaRPr lang="en-US"/>
           </a:p>
@@ -7341,15 +5165,7 @@
             <a:pPr algn="ctr"/>
             <a:r>
               <a:rPr lang="en-US" sz="3000" b="1" dirty="0" smtClean="0"/>
-              <a:t>Wednesday, </a:t>
-            </a:r>
-            <a:r>
-              <a:rPr lang="en-US" sz="3000" b="1" dirty="0" smtClean="0"/>
-              <a:t>15 </a:t>
-            </a:r>
-            <a:r>
-              <a:rPr lang="en-US" sz="3000" b="1" dirty="0" smtClean="0"/>
-              <a:t>April</a:t>
+              <a:t>Wednesday, 15 April</a:t>
             </a:r>
             <a:endParaRPr lang="en-US" sz="3000" b="1" dirty="0"/>
           </a:p>
